--- a/board_game_statistics_presentation.pptx
+++ b/board_game_statistics_presentation.pptx
@@ -5,7 +5,7 @@
     <p:sldMasterId id="2147483661" r:id="rId1"/>
   </p:sldMasterIdLst>
   <p:notesMasterIdLst>
-    <p:notesMasterId r:id="rId11"/>
+    <p:notesMasterId r:id="rId13"/>
   </p:notesMasterIdLst>
   <p:sldIdLst>
     <p:sldId id="256" r:id="rId2"/>
@@ -13,25 +13,27 @@
     <p:sldId id="263" r:id="rId4"/>
     <p:sldId id="264" r:id="rId5"/>
     <p:sldId id="267" r:id="rId6"/>
-    <p:sldId id="285" r:id="rId7"/>
-    <p:sldId id="281" r:id="rId8"/>
-    <p:sldId id="280" r:id="rId9"/>
-    <p:sldId id="279" r:id="rId10"/>
+    <p:sldId id="286" r:id="rId7"/>
+    <p:sldId id="287" r:id="rId8"/>
+    <p:sldId id="285" r:id="rId9"/>
+    <p:sldId id="281" r:id="rId10"/>
+    <p:sldId id="280" r:id="rId11"/>
+    <p:sldId id="279" r:id="rId12"/>
   </p:sldIdLst>
   <p:sldSz cx="9144000" cy="5143500" type="screen16x9"/>
   <p:notesSz cx="6858000" cy="9144000"/>
   <p:embeddedFontLst>
     <p:embeddedFont>
       <p:font typeface="Hind" charset="0"/>
-      <p:regular r:id="rId12"/>
-      <p:bold r:id="rId13"/>
+      <p:regular r:id="rId14"/>
+      <p:bold r:id="rId15"/>
     </p:embeddedFont>
     <p:embeddedFont>
       <p:font typeface="Calibri" pitchFamily="34" charset="0"/>
-      <p:regular r:id="rId14"/>
-      <p:bold r:id="rId15"/>
-      <p:italic r:id="rId16"/>
-      <p:boldItalic r:id="rId17"/>
+      <p:regular r:id="rId16"/>
+      <p:bold r:id="rId17"/>
+      <p:italic r:id="rId18"/>
+      <p:boldItalic r:id="rId19"/>
     </p:embeddedFont>
   </p:embeddedFontLst>
   <p:defaultTextStyle>
@@ -1085,11 +1087,7 @@
         <a:p>
           <a:r>
             <a:rPr lang="en-US" dirty="0" smtClean="0"/>
-            <a:t>Data Visualization &amp; </a:t>
-          </a:r>
-          <a:r>
-            <a:rPr lang="en-US" dirty="0" smtClean="0"/>
-            <a:t>Analysis</a:t>
+            <a:t>Data Visualization &amp; Analysis</a:t>
           </a:r>
           <a:endParaRPr lang="en-US" dirty="0"/>
         </a:p>
@@ -1255,6 +1253,13 @@
         </dgm:presLayoutVars>
       </dgm:prSet>
       <dgm:spPr/>
+      <dgm:t>
+        <a:bodyPr/>
+        <a:lstStyle/>
+        <a:p>
+          <a:endParaRPr lang="en-US"/>
+        </a:p>
+      </dgm:t>
     </dgm:pt>
     <dgm:pt modelId="{51CAA0A9-7E7F-43F8-98B5-F6BF8E66E6D6}" type="pres">
       <dgm:prSet presAssocID="{E2BC49E8-DA83-4BF3-98C4-2C7CFD98C54D}" presName="dummyMaxCanvas" presStyleCnt="0">
@@ -1269,6 +1274,13 @@
         </dgm:presLayoutVars>
       </dgm:prSet>
       <dgm:spPr/>
+      <dgm:t>
+        <a:bodyPr/>
+        <a:lstStyle/>
+        <a:p>
+          <a:endParaRPr lang="en-US"/>
+        </a:p>
+      </dgm:t>
     </dgm:pt>
     <dgm:pt modelId="{B07591A0-FE8D-4863-AD55-889103B31865}" type="pres">
       <dgm:prSet presAssocID="{E2BC49E8-DA83-4BF3-98C4-2C7CFD98C54D}" presName="FiveNodes_2" presStyleLbl="node1" presStyleIdx="1" presStyleCnt="5">
@@ -1292,6 +1304,13 @@
         </dgm:presLayoutVars>
       </dgm:prSet>
       <dgm:spPr/>
+      <dgm:t>
+        <a:bodyPr/>
+        <a:lstStyle/>
+        <a:p>
+          <a:endParaRPr lang="en-US"/>
+        </a:p>
+      </dgm:t>
     </dgm:pt>
     <dgm:pt modelId="{E9F9150B-8A3B-445B-8B1C-4F24C607176F}" type="pres">
       <dgm:prSet presAssocID="{E2BC49E8-DA83-4BF3-98C4-2C7CFD98C54D}" presName="FiveNodes_4" presStyleLbl="node1" presStyleIdx="3" presStyleCnt="5">
@@ -1330,6 +1349,13 @@
         </dgm:presLayoutVars>
       </dgm:prSet>
       <dgm:spPr/>
+      <dgm:t>
+        <a:bodyPr/>
+        <a:lstStyle/>
+        <a:p>
+          <a:endParaRPr lang="en-US"/>
+        </a:p>
+      </dgm:t>
     </dgm:pt>
     <dgm:pt modelId="{A8A8443D-9433-4FCE-AB59-D188A79CB757}" type="pres">
       <dgm:prSet presAssocID="{E2BC49E8-DA83-4BF3-98C4-2C7CFD98C54D}" presName="FiveConn_2-3" presStyleLbl="fgAccFollowNode1" presStyleIdx="1" presStyleCnt="4">
@@ -1338,6 +1364,13 @@
         </dgm:presLayoutVars>
       </dgm:prSet>
       <dgm:spPr/>
+      <dgm:t>
+        <a:bodyPr/>
+        <a:lstStyle/>
+        <a:p>
+          <a:endParaRPr lang="en-US"/>
+        </a:p>
+      </dgm:t>
     </dgm:pt>
     <dgm:pt modelId="{F2BD1E75-0F68-4F68-9613-0FC8CBA8D2DF}" type="pres">
       <dgm:prSet presAssocID="{E2BC49E8-DA83-4BF3-98C4-2C7CFD98C54D}" presName="FiveConn_3-4" presStyleLbl="fgAccFollowNode1" presStyleIdx="2" presStyleCnt="4">
@@ -1346,6 +1379,13 @@
         </dgm:presLayoutVars>
       </dgm:prSet>
       <dgm:spPr/>
+      <dgm:t>
+        <a:bodyPr/>
+        <a:lstStyle/>
+        <a:p>
+          <a:endParaRPr lang="en-US"/>
+        </a:p>
+      </dgm:t>
     </dgm:pt>
     <dgm:pt modelId="{4A76650B-77EF-4804-8FC7-A453ABC53EAD}" type="pres">
       <dgm:prSet presAssocID="{E2BC49E8-DA83-4BF3-98C4-2C7CFD98C54D}" presName="FiveConn_4-5" presStyleLbl="fgAccFollowNode1" presStyleIdx="3" presStyleCnt="4">
@@ -1354,6 +1394,13 @@
         </dgm:presLayoutVars>
       </dgm:prSet>
       <dgm:spPr/>
+      <dgm:t>
+        <a:bodyPr/>
+        <a:lstStyle/>
+        <a:p>
+          <a:endParaRPr lang="en-US"/>
+        </a:p>
+      </dgm:t>
     </dgm:pt>
     <dgm:pt modelId="{25786091-0ADD-4876-8A28-A9FB8783E35F}" type="pres">
       <dgm:prSet presAssocID="{E2BC49E8-DA83-4BF3-98C4-2C7CFD98C54D}" presName="FiveNodes_1_text" presStyleLbl="node1" presStyleIdx="4" presStyleCnt="5">
@@ -1362,6 +1409,13 @@
         </dgm:presLayoutVars>
       </dgm:prSet>
       <dgm:spPr/>
+      <dgm:t>
+        <a:bodyPr/>
+        <a:lstStyle/>
+        <a:p>
+          <a:endParaRPr lang="en-US"/>
+        </a:p>
+      </dgm:t>
     </dgm:pt>
     <dgm:pt modelId="{52F08E5F-6A1A-4C09-9C4D-015070D8C144}" type="pres">
       <dgm:prSet presAssocID="{E2BC49E8-DA83-4BF3-98C4-2C7CFD98C54D}" presName="FiveNodes_2_text" presStyleLbl="node1" presStyleIdx="4" presStyleCnt="5">
@@ -1385,6 +1439,13 @@
         </dgm:presLayoutVars>
       </dgm:prSet>
       <dgm:spPr/>
+      <dgm:t>
+        <a:bodyPr/>
+        <a:lstStyle/>
+        <a:p>
+          <a:endParaRPr lang="en-US"/>
+        </a:p>
+      </dgm:t>
     </dgm:pt>
     <dgm:pt modelId="{E29CB11C-255D-49F0-B843-1DD85C4E62B6}" type="pres">
       <dgm:prSet presAssocID="{E2BC49E8-DA83-4BF3-98C4-2C7CFD98C54D}" presName="FiveNodes_4_text" presStyleLbl="node1" presStyleIdx="4" presStyleCnt="5">
@@ -1418,26 +1479,26 @@
     </dgm:pt>
   </dgm:ptLst>
   <dgm:cxnLst>
+    <dgm:cxn modelId="{0A35CF11-3868-4337-BEC8-AD43B8AE0AE2}" type="presOf" srcId="{1C2FF5D5-A959-4CFC-9ED9-AE7BB086AA2E}" destId="{F2BD1E75-0F68-4F68-9613-0FC8CBA8D2DF}" srcOrd="0" destOrd="0" presId="urn:microsoft.com/office/officeart/2005/8/layout/vProcess5"/>
+    <dgm:cxn modelId="{A4F11BC0-7644-46D7-8307-F7767FEE68C6}" srcId="{E2BC49E8-DA83-4BF3-98C4-2C7CFD98C54D}" destId="{5534F248-34F1-4838-9D05-725B171F76EA}" srcOrd="3" destOrd="0" parTransId="{8036C75B-4A5A-45DB-9393-7AE86064136B}" sibTransId="{B2520A04-17AF-4BD9-A15A-B47B134B779C}"/>
+    <dgm:cxn modelId="{9199E166-432F-4EBD-88DE-6CF725410922}" type="presOf" srcId="{9932E4A4-BDAE-47AF-8EEF-84C7FD1E7BD5}" destId="{13C50616-2529-4F84-928F-5454B8777A8B}" srcOrd="1" destOrd="0" presId="urn:microsoft.com/office/officeart/2005/8/layout/vProcess5"/>
+    <dgm:cxn modelId="{034F3843-D217-4C94-85C5-37B87937E000}" type="presOf" srcId="{8CC1C9ED-5605-49F7-8818-A5C7DE95209B}" destId="{52F08E5F-6A1A-4C09-9C4D-015070D8C144}" srcOrd="1" destOrd="0" presId="urn:microsoft.com/office/officeart/2005/8/layout/vProcess5"/>
+    <dgm:cxn modelId="{902815B1-71C1-4560-A819-84EA52A5CDD0}" srcId="{E2BC49E8-DA83-4BF3-98C4-2C7CFD98C54D}" destId="{0D1254AC-B675-4DD9-8EE0-66EC8A2BB823}" srcOrd="4" destOrd="0" parTransId="{D8D7C5D8-468A-4FC1-A16B-ECBD4AEFBFF7}" sibTransId="{4ABAB87E-F632-4C8D-B0C3-81A4789F73F9}"/>
     <dgm:cxn modelId="{987C85CD-E033-40C4-B241-C5CA2D3942F4}" srcId="{E2BC49E8-DA83-4BF3-98C4-2C7CFD98C54D}" destId="{D41831C8-ECC9-40BD-A754-3AB817D1A50A}" srcOrd="0" destOrd="0" parTransId="{A7D0FF73-6B56-4757-B8E5-6B7FF4C57147}" sibTransId="{D6010F36-C469-4FAF-8864-5EC41BF15B30}"/>
+    <dgm:cxn modelId="{DDDE6124-3DFB-4A0D-893D-65CDD3E442F1}" type="presOf" srcId="{0D1254AC-B675-4DD9-8EE0-66EC8A2BB823}" destId="{8A9A1549-7040-4A26-B4ED-EB1DFD368E7F}" srcOrd="0" destOrd="0" presId="urn:microsoft.com/office/officeart/2005/8/layout/vProcess5"/>
+    <dgm:cxn modelId="{0B5A1E5A-E891-4D15-A589-55BFC694B71F}" type="presOf" srcId="{5534F248-34F1-4838-9D05-725B171F76EA}" destId="{E29CB11C-255D-49F0-B843-1DD85C4E62B6}" srcOrd="1" destOrd="0" presId="urn:microsoft.com/office/officeart/2005/8/layout/vProcess5"/>
+    <dgm:cxn modelId="{A57B9D6D-D48B-4B92-86DB-A2DA1935F6E2}" type="presOf" srcId="{D41831C8-ECC9-40BD-A754-3AB817D1A50A}" destId="{25786091-0ADD-4876-8A28-A9FB8783E35F}" srcOrd="1" destOrd="0" presId="urn:microsoft.com/office/officeart/2005/8/layout/vProcess5"/>
     <dgm:cxn modelId="{D1364491-2148-4C86-8026-2D630E6F4BD8}" type="presOf" srcId="{8CC1C9ED-5605-49F7-8818-A5C7DE95209B}" destId="{B07591A0-FE8D-4863-AD55-889103B31865}" srcOrd="0" destOrd="0" presId="urn:microsoft.com/office/officeart/2005/8/layout/vProcess5"/>
+    <dgm:cxn modelId="{E0FFC76E-660A-41A3-B950-5B08D8382932}" srcId="{E2BC49E8-DA83-4BF3-98C4-2C7CFD98C54D}" destId="{9932E4A4-BDAE-47AF-8EEF-84C7FD1E7BD5}" srcOrd="2" destOrd="0" parTransId="{2005569F-A460-4873-987B-4E77BC44F5BD}" sibTransId="{1C2FF5D5-A959-4CFC-9ED9-AE7BB086AA2E}"/>
+    <dgm:cxn modelId="{ECCEB2E9-B6A2-4B81-872F-D6027D9A72FC}" type="presOf" srcId="{5534F248-34F1-4838-9D05-725B171F76EA}" destId="{E9F9150B-8A3B-445B-8B1C-4F24C607176F}" srcOrd="0" destOrd="0" presId="urn:microsoft.com/office/officeart/2005/8/layout/vProcess5"/>
+    <dgm:cxn modelId="{42D9430B-1CCF-4254-BEC9-CFAA939167F1}" type="presOf" srcId="{B2520A04-17AF-4BD9-A15A-B47B134B779C}" destId="{4A76650B-77EF-4804-8FC7-A453ABC53EAD}" srcOrd="0" destOrd="0" presId="urn:microsoft.com/office/officeart/2005/8/layout/vProcess5"/>
+    <dgm:cxn modelId="{DB6FD729-DFA5-4772-9C92-1AC65870DC48}" type="presOf" srcId="{E2BC49E8-DA83-4BF3-98C4-2C7CFD98C54D}" destId="{DB22B3A9-8673-4B32-B679-EF505583040F}" srcOrd="0" destOrd="0" presId="urn:microsoft.com/office/officeart/2005/8/layout/vProcess5"/>
+    <dgm:cxn modelId="{BC1BD32B-FB27-48D2-B880-980B84D9AB57}" type="presOf" srcId="{D41831C8-ECC9-40BD-A754-3AB817D1A50A}" destId="{E719BCF9-F8C7-46CA-AFA7-36F63646C9E9}" srcOrd="0" destOrd="0" presId="urn:microsoft.com/office/officeart/2005/8/layout/vProcess5"/>
     <dgm:cxn modelId="{C0906B68-373C-41EC-9396-B1F96CD66779}" srcId="{E2BC49E8-DA83-4BF3-98C4-2C7CFD98C54D}" destId="{8CC1C9ED-5605-49F7-8818-A5C7DE95209B}" srcOrd="1" destOrd="0" parTransId="{3FE392C1-34D7-4807-9AC0-1D8B0FB26D05}" sibTransId="{24095880-EFAA-486A-A282-1B1CD3679AF2}"/>
     <dgm:cxn modelId="{18BE4C13-A42F-478D-B662-EA6DE4ECCB0F}" type="presOf" srcId="{24095880-EFAA-486A-A282-1B1CD3679AF2}" destId="{A8A8443D-9433-4FCE-AB59-D188A79CB757}" srcOrd="0" destOrd="0" presId="urn:microsoft.com/office/officeart/2005/8/layout/vProcess5"/>
-    <dgm:cxn modelId="{0A35CF11-3868-4337-BEC8-AD43B8AE0AE2}" type="presOf" srcId="{1C2FF5D5-A959-4CFC-9ED9-AE7BB086AA2E}" destId="{F2BD1E75-0F68-4F68-9613-0FC8CBA8D2DF}" srcOrd="0" destOrd="0" presId="urn:microsoft.com/office/officeart/2005/8/layout/vProcess5"/>
-    <dgm:cxn modelId="{034F3843-D217-4C94-85C5-37B87937E000}" type="presOf" srcId="{8CC1C9ED-5605-49F7-8818-A5C7DE95209B}" destId="{52F08E5F-6A1A-4C09-9C4D-015070D8C144}" srcOrd="1" destOrd="0" presId="urn:microsoft.com/office/officeart/2005/8/layout/vProcess5"/>
+    <dgm:cxn modelId="{BC619047-342E-4CE9-9B31-7C94A992C2B8}" type="presOf" srcId="{9932E4A4-BDAE-47AF-8EEF-84C7FD1E7BD5}" destId="{3A86E196-869F-4C75-BA23-DC0D84F8466F}" srcOrd="0" destOrd="0" presId="urn:microsoft.com/office/officeart/2005/8/layout/vProcess5"/>
+    <dgm:cxn modelId="{B88C2687-BB92-4C55-9572-D80B1CC1EC5B}" type="presOf" srcId="{D6010F36-C469-4FAF-8864-5EC41BF15B30}" destId="{32F59B9A-04E1-4F6A-9E98-8D62A4F56F7B}" srcOrd="0" destOrd="0" presId="urn:microsoft.com/office/officeart/2005/8/layout/vProcess5"/>
     <dgm:cxn modelId="{88268E69-664E-42E7-AB63-D419A454948A}" type="presOf" srcId="{0D1254AC-B675-4DD9-8EE0-66EC8A2BB823}" destId="{FC81D2B1-B5F5-43EF-B370-93CEE296A0D1}" srcOrd="1" destOrd="0" presId="urn:microsoft.com/office/officeart/2005/8/layout/vProcess5"/>
-    <dgm:cxn modelId="{B88C2687-BB92-4C55-9572-D80B1CC1EC5B}" type="presOf" srcId="{D6010F36-C469-4FAF-8864-5EC41BF15B30}" destId="{32F59B9A-04E1-4F6A-9E98-8D62A4F56F7B}" srcOrd="0" destOrd="0" presId="urn:microsoft.com/office/officeart/2005/8/layout/vProcess5"/>
-    <dgm:cxn modelId="{E0FFC76E-660A-41A3-B950-5B08D8382932}" srcId="{E2BC49E8-DA83-4BF3-98C4-2C7CFD98C54D}" destId="{9932E4A4-BDAE-47AF-8EEF-84C7FD1E7BD5}" srcOrd="2" destOrd="0" parTransId="{2005569F-A460-4873-987B-4E77BC44F5BD}" sibTransId="{1C2FF5D5-A959-4CFC-9ED9-AE7BB086AA2E}"/>
-    <dgm:cxn modelId="{BC1BD32B-FB27-48D2-B880-980B84D9AB57}" type="presOf" srcId="{D41831C8-ECC9-40BD-A754-3AB817D1A50A}" destId="{E719BCF9-F8C7-46CA-AFA7-36F63646C9E9}" srcOrd="0" destOrd="0" presId="urn:microsoft.com/office/officeart/2005/8/layout/vProcess5"/>
-    <dgm:cxn modelId="{42D9430B-1CCF-4254-BEC9-CFAA939167F1}" type="presOf" srcId="{B2520A04-17AF-4BD9-A15A-B47B134B779C}" destId="{4A76650B-77EF-4804-8FC7-A453ABC53EAD}" srcOrd="0" destOrd="0" presId="urn:microsoft.com/office/officeart/2005/8/layout/vProcess5"/>
-    <dgm:cxn modelId="{BC619047-342E-4CE9-9B31-7C94A992C2B8}" type="presOf" srcId="{9932E4A4-BDAE-47AF-8EEF-84C7FD1E7BD5}" destId="{3A86E196-869F-4C75-BA23-DC0D84F8466F}" srcOrd="0" destOrd="0" presId="urn:microsoft.com/office/officeart/2005/8/layout/vProcess5"/>
-    <dgm:cxn modelId="{902815B1-71C1-4560-A819-84EA52A5CDD0}" srcId="{E2BC49E8-DA83-4BF3-98C4-2C7CFD98C54D}" destId="{0D1254AC-B675-4DD9-8EE0-66EC8A2BB823}" srcOrd="4" destOrd="0" parTransId="{D8D7C5D8-468A-4FC1-A16B-ECBD4AEFBFF7}" sibTransId="{4ABAB87E-F632-4C8D-B0C3-81A4789F73F9}"/>
-    <dgm:cxn modelId="{A57B9D6D-D48B-4B92-86DB-A2DA1935F6E2}" type="presOf" srcId="{D41831C8-ECC9-40BD-A754-3AB817D1A50A}" destId="{25786091-0ADD-4876-8A28-A9FB8783E35F}" srcOrd="1" destOrd="0" presId="urn:microsoft.com/office/officeart/2005/8/layout/vProcess5"/>
-    <dgm:cxn modelId="{ECCEB2E9-B6A2-4B81-872F-D6027D9A72FC}" type="presOf" srcId="{5534F248-34F1-4838-9D05-725B171F76EA}" destId="{E9F9150B-8A3B-445B-8B1C-4F24C607176F}" srcOrd="0" destOrd="0" presId="urn:microsoft.com/office/officeart/2005/8/layout/vProcess5"/>
-    <dgm:cxn modelId="{DDDE6124-3DFB-4A0D-893D-65CDD3E442F1}" type="presOf" srcId="{0D1254AC-B675-4DD9-8EE0-66EC8A2BB823}" destId="{8A9A1549-7040-4A26-B4ED-EB1DFD368E7F}" srcOrd="0" destOrd="0" presId="urn:microsoft.com/office/officeart/2005/8/layout/vProcess5"/>
-    <dgm:cxn modelId="{DB6FD729-DFA5-4772-9C92-1AC65870DC48}" type="presOf" srcId="{E2BC49E8-DA83-4BF3-98C4-2C7CFD98C54D}" destId="{DB22B3A9-8673-4B32-B679-EF505583040F}" srcOrd="0" destOrd="0" presId="urn:microsoft.com/office/officeart/2005/8/layout/vProcess5"/>
-    <dgm:cxn modelId="{0B5A1E5A-E891-4D15-A589-55BFC694B71F}" type="presOf" srcId="{5534F248-34F1-4838-9D05-725B171F76EA}" destId="{E29CB11C-255D-49F0-B843-1DD85C4E62B6}" srcOrd="1" destOrd="0" presId="urn:microsoft.com/office/officeart/2005/8/layout/vProcess5"/>
-    <dgm:cxn modelId="{9199E166-432F-4EBD-88DE-6CF725410922}" type="presOf" srcId="{9932E4A4-BDAE-47AF-8EEF-84C7FD1E7BD5}" destId="{13C50616-2529-4F84-928F-5454B8777A8B}" srcOrd="1" destOrd="0" presId="urn:microsoft.com/office/officeart/2005/8/layout/vProcess5"/>
-    <dgm:cxn modelId="{A4F11BC0-7644-46D7-8307-F7767FEE68C6}" srcId="{E2BC49E8-DA83-4BF3-98C4-2C7CFD98C54D}" destId="{5534F248-34F1-4838-9D05-725B171F76EA}" srcOrd="3" destOrd="0" parTransId="{8036C75B-4A5A-45DB-9393-7AE86064136B}" sibTransId="{B2520A04-17AF-4BD9-A15A-B47B134B779C}"/>
     <dgm:cxn modelId="{FA1E8595-E92E-4102-8428-FD8ACF756BF9}" type="presParOf" srcId="{DB22B3A9-8673-4B32-B679-EF505583040F}" destId="{51CAA0A9-7E7F-43F8-98B5-F6BF8E66E6D6}" srcOrd="0" destOrd="0" presId="urn:microsoft.com/office/officeart/2005/8/layout/vProcess5"/>
     <dgm:cxn modelId="{650D6E71-0F7C-479A-AD9C-A0E73513CFB1}" type="presParOf" srcId="{DB22B3A9-8673-4B32-B679-EF505583040F}" destId="{E719BCF9-F8C7-46CA-AFA7-36F63646C9E9}" srcOrd="1" destOrd="0" presId="urn:microsoft.com/office/officeart/2005/8/layout/vProcess5"/>
     <dgm:cxn modelId="{6E25DCDB-2AEF-47F2-8663-AFE7A2000B4C}" type="presParOf" srcId="{DB22B3A9-8673-4B32-B679-EF505583040F}" destId="{B07591A0-FE8D-4863-AD55-889103B31865}" srcOrd="2" destOrd="0" presId="urn:microsoft.com/office/officeart/2005/8/layout/vProcess5"/>
@@ -4264,6 +4325,214 @@
 </p:notes>
 </file>
 
+<file path=ppt/notesSlides/notesSlide10.xml><?xml version="1.0" encoding="utf-8"?>
+<p:notes xmlns:a="http://schemas.openxmlformats.org/drawingml/2006/main" xmlns:r="http://schemas.openxmlformats.org/officeDocument/2006/relationships" xmlns:p="http://schemas.openxmlformats.org/presentationml/2006/main" showMasterSp="0" showMasterPhAnim="0">
+  <p:cSld>
+    <p:spTree>
+      <p:nvGrpSpPr>
+        <p:cNvPr id="1" name="Shape 407"/>
+        <p:cNvGrpSpPr/>
+        <p:nvPr/>
+      </p:nvGrpSpPr>
+      <p:grpSpPr>
+        <a:xfrm>
+          <a:off x="0" y="0"/>
+          <a:ext cx="0" cy="0"/>
+          <a:chOff x="0" y="0"/>
+          <a:chExt cx="0" cy="0"/>
+        </a:xfrm>
+      </p:grpSpPr>
+      <p:sp>
+        <p:nvSpPr>
+          <p:cNvPr id="408" name="Google Shape;408;g35ed75ccf_0134:notes"/>
+          <p:cNvSpPr>
+            <a:spLocks noGrp="1" noRot="1" noChangeAspect="1"/>
+          </p:cNvSpPr>
+          <p:nvPr>
+            <p:ph type="sldImg" idx="2"/>
+          </p:nvPr>
+        </p:nvSpPr>
+        <p:spPr>
+          <a:xfrm>
+            <a:off x="381000" y="685800"/>
+            <a:ext cx="6096000" cy="3429000"/>
+          </a:xfrm>
+          <a:custGeom>
+            <a:avLst/>
+            <a:gdLst/>
+            <a:ahLst/>
+            <a:cxnLst/>
+            <a:rect l="l" t="t" r="r" b="b"/>
+            <a:pathLst>
+              <a:path w="120000" h="120000" extrusionOk="0">
+                <a:moveTo>
+                  <a:pt x="0" y="0"/>
+                </a:moveTo>
+                <a:lnTo>
+                  <a:pt x="120000" y="0"/>
+                </a:lnTo>
+                <a:lnTo>
+                  <a:pt x="120000" y="120000"/>
+                </a:lnTo>
+                <a:lnTo>
+                  <a:pt x="0" y="120000"/>
+                </a:lnTo>
+                <a:close/>
+              </a:path>
+            </a:pathLst>
+          </a:custGeom>
+        </p:spPr>
+      </p:sp>
+      <p:sp>
+        <p:nvSpPr>
+          <p:cNvPr id="409" name="Google Shape;409;g35ed75ccf_0134:notes"/>
+          <p:cNvSpPr txBox="1">
+            <a:spLocks noGrp="1"/>
+          </p:cNvSpPr>
+          <p:nvPr>
+            <p:ph type="body" idx="1"/>
+          </p:nvPr>
+        </p:nvSpPr>
+        <p:spPr>
+          <a:xfrm>
+            <a:off x="685800" y="4343400"/>
+            <a:ext cx="5486400" cy="4114800"/>
+          </a:xfrm>
+          <a:prstGeom prst="rect">
+            <a:avLst/>
+          </a:prstGeom>
+        </p:spPr>
+        <p:txBody>
+          <a:bodyPr spcFirstLastPara="1" wrap="square" lIns="91425" tIns="91425" rIns="91425" bIns="91425" anchor="t" anchorCtr="0">
+            <a:noAutofit/>
+          </a:bodyPr>
+          <a:lstStyle/>
+          <a:p>
+            <a:pPr marL="0" lvl="0" indent="0" algn="l" rtl="0">
+              <a:spcBef>
+                <a:spcPts val="0"/>
+              </a:spcBef>
+              <a:spcAft>
+                <a:spcPts val="0"/>
+              </a:spcAft>
+              <a:buNone/>
+            </a:pPr>
+            <a:endParaRPr/>
+          </a:p>
+        </p:txBody>
+      </p:sp>
+    </p:spTree>
+  </p:cSld>
+  <p:clrMapOvr>
+    <a:masterClrMapping/>
+  </p:clrMapOvr>
+</p:notes>
+</file>
+
+<file path=ppt/notesSlides/notesSlide11.xml><?xml version="1.0" encoding="utf-8"?>
+<p:notes xmlns:a="http://schemas.openxmlformats.org/drawingml/2006/main" xmlns:r="http://schemas.openxmlformats.org/officeDocument/2006/relationships" xmlns:p="http://schemas.openxmlformats.org/presentationml/2006/main" showMasterSp="0" showMasterPhAnim="0">
+  <p:cSld>
+    <p:spTree>
+      <p:nvGrpSpPr>
+        <p:cNvPr id="1" name="Shape 399"/>
+        <p:cNvGrpSpPr/>
+        <p:nvPr/>
+      </p:nvGrpSpPr>
+      <p:grpSpPr>
+        <a:xfrm>
+          <a:off x="0" y="0"/>
+          <a:ext cx="0" cy="0"/>
+          <a:chOff x="0" y="0"/>
+          <a:chExt cx="0" cy="0"/>
+        </a:xfrm>
+      </p:grpSpPr>
+      <p:sp>
+        <p:nvSpPr>
+          <p:cNvPr id="400" name="Google Shape;400;g35ed75ccf_022:notes"/>
+          <p:cNvSpPr>
+            <a:spLocks noGrp="1" noRot="1" noChangeAspect="1"/>
+          </p:cNvSpPr>
+          <p:nvPr>
+            <p:ph type="sldImg" idx="2"/>
+          </p:nvPr>
+        </p:nvSpPr>
+        <p:spPr>
+          <a:xfrm>
+            <a:off x="381000" y="685800"/>
+            <a:ext cx="6096000" cy="3429000"/>
+          </a:xfrm>
+          <a:custGeom>
+            <a:avLst/>
+            <a:gdLst/>
+            <a:ahLst/>
+            <a:cxnLst/>
+            <a:rect l="l" t="t" r="r" b="b"/>
+            <a:pathLst>
+              <a:path w="120000" h="120000" extrusionOk="0">
+                <a:moveTo>
+                  <a:pt x="0" y="0"/>
+                </a:moveTo>
+                <a:lnTo>
+                  <a:pt x="120000" y="0"/>
+                </a:lnTo>
+                <a:lnTo>
+                  <a:pt x="120000" y="120000"/>
+                </a:lnTo>
+                <a:lnTo>
+                  <a:pt x="0" y="120000"/>
+                </a:lnTo>
+                <a:close/>
+              </a:path>
+            </a:pathLst>
+          </a:custGeom>
+        </p:spPr>
+      </p:sp>
+      <p:sp>
+        <p:nvSpPr>
+          <p:cNvPr id="401" name="Google Shape;401;g35ed75ccf_022:notes"/>
+          <p:cNvSpPr txBox="1">
+            <a:spLocks noGrp="1"/>
+          </p:cNvSpPr>
+          <p:nvPr>
+            <p:ph type="body" idx="1"/>
+          </p:nvPr>
+        </p:nvSpPr>
+        <p:spPr>
+          <a:xfrm>
+            <a:off x="685800" y="4343400"/>
+            <a:ext cx="5486400" cy="4114800"/>
+          </a:xfrm>
+          <a:prstGeom prst="rect">
+            <a:avLst/>
+          </a:prstGeom>
+        </p:spPr>
+        <p:txBody>
+          <a:bodyPr spcFirstLastPara="1" wrap="square" lIns="91425" tIns="91425" rIns="91425" bIns="91425" anchor="t" anchorCtr="0">
+            <a:noAutofit/>
+          </a:bodyPr>
+          <a:lstStyle/>
+          <a:p>
+            <a:pPr marL="0" lvl="0" indent="0" algn="l" rtl="0">
+              <a:spcBef>
+                <a:spcPts val="0"/>
+              </a:spcBef>
+              <a:spcAft>
+                <a:spcPts val="0"/>
+              </a:spcAft>
+              <a:buNone/>
+            </a:pPr>
+            <a:endParaRPr/>
+          </a:p>
+        </p:txBody>
+      </p:sp>
+    </p:spTree>
+  </p:cSld>
+  <p:clrMapOvr>
+    <a:masterClrMapping/>
+  </p:clrMapOvr>
+</p:notes>
+</file>
+
 <file path=ppt/notesSlides/notesSlide2.xml><?xml version="1.0" encoding="utf-8"?>
 <p:notes xmlns:a="http://schemas.openxmlformats.org/drawingml/2006/main" xmlns:r="http://schemas.openxmlformats.org/officeDocument/2006/relationships" xmlns:p="http://schemas.openxmlformats.org/presentationml/2006/main" showMasterSp="0" showMasterPhAnim="0">
   <p:cSld>
@@ -4685,6 +4954,214 @@
   <p:cSld>
     <p:spTree>
       <p:nvGrpSpPr>
+        <p:cNvPr id="1" name="Shape 283"/>
+        <p:cNvGrpSpPr/>
+        <p:nvPr/>
+      </p:nvGrpSpPr>
+      <p:grpSpPr>
+        <a:xfrm>
+          <a:off x="0" y="0"/>
+          <a:ext cx="0" cy="0"/>
+          <a:chOff x="0" y="0"/>
+          <a:chExt cx="0" cy="0"/>
+        </a:xfrm>
+      </p:grpSpPr>
+      <p:sp>
+        <p:nvSpPr>
+          <p:cNvPr id="284" name="Google Shape;284;g35f391192_073:notes"/>
+          <p:cNvSpPr>
+            <a:spLocks noGrp="1" noRot="1" noChangeAspect="1"/>
+          </p:cNvSpPr>
+          <p:nvPr>
+            <p:ph type="sldImg" idx="2"/>
+          </p:nvPr>
+        </p:nvSpPr>
+        <p:spPr>
+          <a:xfrm>
+            <a:off x="381000" y="685800"/>
+            <a:ext cx="6096000" cy="3429000"/>
+          </a:xfrm>
+          <a:custGeom>
+            <a:avLst/>
+            <a:gdLst/>
+            <a:ahLst/>
+            <a:cxnLst/>
+            <a:rect l="l" t="t" r="r" b="b"/>
+            <a:pathLst>
+              <a:path w="120000" h="120000" extrusionOk="0">
+                <a:moveTo>
+                  <a:pt x="0" y="0"/>
+                </a:moveTo>
+                <a:lnTo>
+                  <a:pt x="120000" y="0"/>
+                </a:lnTo>
+                <a:lnTo>
+                  <a:pt x="120000" y="120000"/>
+                </a:lnTo>
+                <a:lnTo>
+                  <a:pt x="0" y="120000"/>
+                </a:lnTo>
+                <a:close/>
+              </a:path>
+            </a:pathLst>
+          </a:custGeom>
+        </p:spPr>
+      </p:sp>
+      <p:sp>
+        <p:nvSpPr>
+          <p:cNvPr id="285" name="Google Shape;285;g35f391192_073:notes"/>
+          <p:cNvSpPr txBox="1">
+            <a:spLocks noGrp="1"/>
+          </p:cNvSpPr>
+          <p:nvPr>
+            <p:ph type="body" idx="1"/>
+          </p:nvPr>
+        </p:nvSpPr>
+        <p:spPr>
+          <a:xfrm>
+            <a:off x="685800" y="4343400"/>
+            <a:ext cx="5486400" cy="4114800"/>
+          </a:xfrm>
+          <a:prstGeom prst="rect">
+            <a:avLst/>
+          </a:prstGeom>
+        </p:spPr>
+        <p:txBody>
+          <a:bodyPr spcFirstLastPara="1" wrap="square" lIns="91425" tIns="91425" rIns="91425" bIns="91425" anchor="t" anchorCtr="0">
+            <a:noAutofit/>
+          </a:bodyPr>
+          <a:lstStyle/>
+          <a:p>
+            <a:pPr marL="0" lvl="0" indent="0" algn="l" rtl="0">
+              <a:spcBef>
+                <a:spcPts val="0"/>
+              </a:spcBef>
+              <a:spcAft>
+                <a:spcPts val="0"/>
+              </a:spcAft>
+              <a:buNone/>
+            </a:pPr>
+            <a:endParaRPr/>
+          </a:p>
+        </p:txBody>
+      </p:sp>
+    </p:spTree>
+  </p:cSld>
+  <p:clrMapOvr>
+    <a:masterClrMapping/>
+  </p:clrMapOvr>
+</p:notes>
+</file>
+
+<file path=ppt/notesSlides/notesSlide7.xml><?xml version="1.0" encoding="utf-8"?>
+<p:notes xmlns:a="http://schemas.openxmlformats.org/drawingml/2006/main" xmlns:r="http://schemas.openxmlformats.org/officeDocument/2006/relationships" xmlns:p="http://schemas.openxmlformats.org/presentationml/2006/main" showMasterSp="0" showMasterPhAnim="0">
+  <p:cSld>
+    <p:spTree>
+      <p:nvGrpSpPr>
+        <p:cNvPr id="1" name="Shape 283"/>
+        <p:cNvGrpSpPr/>
+        <p:nvPr/>
+      </p:nvGrpSpPr>
+      <p:grpSpPr>
+        <a:xfrm>
+          <a:off x="0" y="0"/>
+          <a:ext cx="0" cy="0"/>
+          <a:chOff x="0" y="0"/>
+          <a:chExt cx="0" cy="0"/>
+        </a:xfrm>
+      </p:grpSpPr>
+      <p:sp>
+        <p:nvSpPr>
+          <p:cNvPr id="284" name="Google Shape;284;g35f391192_073:notes"/>
+          <p:cNvSpPr>
+            <a:spLocks noGrp="1" noRot="1" noChangeAspect="1"/>
+          </p:cNvSpPr>
+          <p:nvPr>
+            <p:ph type="sldImg" idx="2"/>
+          </p:nvPr>
+        </p:nvSpPr>
+        <p:spPr>
+          <a:xfrm>
+            <a:off x="381000" y="685800"/>
+            <a:ext cx="6096000" cy="3429000"/>
+          </a:xfrm>
+          <a:custGeom>
+            <a:avLst/>
+            <a:gdLst/>
+            <a:ahLst/>
+            <a:cxnLst/>
+            <a:rect l="l" t="t" r="r" b="b"/>
+            <a:pathLst>
+              <a:path w="120000" h="120000" extrusionOk="0">
+                <a:moveTo>
+                  <a:pt x="0" y="0"/>
+                </a:moveTo>
+                <a:lnTo>
+                  <a:pt x="120000" y="0"/>
+                </a:lnTo>
+                <a:lnTo>
+                  <a:pt x="120000" y="120000"/>
+                </a:lnTo>
+                <a:lnTo>
+                  <a:pt x="0" y="120000"/>
+                </a:lnTo>
+                <a:close/>
+              </a:path>
+            </a:pathLst>
+          </a:custGeom>
+        </p:spPr>
+      </p:sp>
+      <p:sp>
+        <p:nvSpPr>
+          <p:cNvPr id="285" name="Google Shape;285;g35f391192_073:notes"/>
+          <p:cNvSpPr txBox="1">
+            <a:spLocks noGrp="1"/>
+          </p:cNvSpPr>
+          <p:nvPr>
+            <p:ph type="body" idx="1"/>
+          </p:nvPr>
+        </p:nvSpPr>
+        <p:spPr>
+          <a:xfrm>
+            <a:off x="685800" y="4343400"/>
+            <a:ext cx="5486400" cy="4114800"/>
+          </a:xfrm>
+          <a:prstGeom prst="rect">
+            <a:avLst/>
+          </a:prstGeom>
+        </p:spPr>
+        <p:txBody>
+          <a:bodyPr spcFirstLastPara="1" wrap="square" lIns="91425" tIns="91425" rIns="91425" bIns="91425" anchor="t" anchorCtr="0">
+            <a:noAutofit/>
+          </a:bodyPr>
+          <a:lstStyle/>
+          <a:p>
+            <a:pPr marL="0" lvl="0" indent="0" algn="l" rtl="0">
+              <a:spcBef>
+                <a:spcPts val="0"/>
+              </a:spcBef>
+              <a:spcAft>
+                <a:spcPts val="0"/>
+              </a:spcAft>
+              <a:buNone/>
+            </a:pPr>
+            <a:endParaRPr/>
+          </a:p>
+        </p:txBody>
+      </p:sp>
+    </p:spTree>
+  </p:cSld>
+  <p:clrMapOvr>
+    <a:masterClrMapping/>
+  </p:clrMapOvr>
+</p:notes>
+</file>
+
+<file path=ppt/notesSlides/notesSlide8.xml><?xml version="1.0" encoding="utf-8"?>
+<p:notes xmlns:a="http://schemas.openxmlformats.org/drawingml/2006/main" xmlns:r="http://schemas.openxmlformats.org/officeDocument/2006/relationships" xmlns:p="http://schemas.openxmlformats.org/presentationml/2006/main" showMasterSp="0" showMasterPhAnim="0">
+  <p:cSld>
+    <p:spTree>
+      <p:nvGrpSpPr>
         <p:cNvPr id="1" name="Shape 227"/>
         <p:cNvGrpSpPr/>
         <p:nvPr/>
@@ -4784,7 +5261,7 @@
 </p:notes>
 </file>
 
-<file path=ppt/notesSlides/notesSlide7.xml><?xml version="1.0" encoding="utf-8"?>
+<file path=ppt/notesSlides/notesSlide9.xml><?xml version="1.0" encoding="utf-8"?>
 <p:notes xmlns:a="http://schemas.openxmlformats.org/drawingml/2006/main" xmlns:r="http://schemas.openxmlformats.org/officeDocument/2006/relationships" xmlns:p="http://schemas.openxmlformats.org/presentationml/2006/main" showMasterSp="0" showMasterPhAnim="0">
   <p:cSld>
     <p:spTree>
@@ -4845,214 +5322,6 @@
       <p:sp>
         <p:nvSpPr>
           <p:cNvPr id="416" name="Google Shape;416;g35ed75ccf_0141:notes"/>
-          <p:cNvSpPr txBox="1">
-            <a:spLocks noGrp="1"/>
-          </p:cNvSpPr>
-          <p:nvPr>
-            <p:ph type="body" idx="1"/>
-          </p:nvPr>
-        </p:nvSpPr>
-        <p:spPr>
-          <a:xfrm>
-            <a:off x="685800" y="4343400"/>
-            <a:ext cx="5486400" cy="4114800"/>
-          </a:xfrm>
-          <a:prstGeom prst="rect">
-            <a:avLst/>
-          </a:prstGeom>
-        </p:spPr>
-        <p:txBody>
-          <a:bodyPr spcFirstLastPara="1" wrap="square" lIns="91425" tIns="91425" rIns="91425" bIns="91425" anchor="t" anchorCtr="0">
-            <a:noAutofit/>
-          </a:bodyPr>
-          <a:lstStyle/>
-          <a:p>
-            <a:pPr marL="0" lvl="0" indent="0" algn="l" rtl="0">
-              <a:spcBef>
-                <a:spcPts val="0"/>
-              </a:spcBef>
-              <a:spcAft>
-                <a:spcPts val="0"/>
-              </a:spcAft>
-              <a:buNone/>
-            </a:pPr>
-            <a:endParaRPr/>
-          </a:p>
-        </p:txBody>
-      </p:sp>
-    </p:spTree>
-  </p:cSld>
-  <p:clrMapOvr>
-    <a:masterClrMapping/>
-  </p:clrMapOvr>
-</p:notes>
-</file>
-
-<file path=ppt/notesSlides/notesSlide8.xml><?xml version="1.0" encoding="utf-8"?>
-<p:notes xmlns:a="http://schemas.openxmlformats.org/drawingml/2006/main" xmlns:r="http://schemas.openxmlformats.org/officeDocument/2006/relationships" xmlns:p="http://schemas.openxmlformats.org/presentationml/2006/main" showMasterSp="0" showMasterPhAnim="0">
-  <p:cSld>
-    <p:spTree>
-      <p:nvGrpSpPr>
-        <p:cNvPr id="1" name="Shape 407"/>
-        <p:cNvGrpSpPr/>
-        <p:nvPr/>
-      </p:nvGrpSpPr>
-      <p:grpSpPr>
-        <a:xfrm>
-          <a:off x="0" y="0"/>
-          <a:ext cx="0" cy="0"/>
-          <a:chOff x="0" y="0"/>
-          <a:chExt cx="0" cy="0"/>
-        </a:xfrm>
-      </p:grpSpPr>
-      <p:sp>
-        <p:nvSpPr>
-          <p:cNvPr id="408" name="Google Shape;408;g35ed75ccf_0134:notes"/>
-          <p:cNvSpPr>
-            <a:spLocks noGrp="1" noRot="1" noChangeAspect="1"/>
-          </p:cNvSpPr>
-          <p:nvPr>
-            <p:ph type="sldImg" idx="2"/>
-          </p:nvPr>
-        </p:nvSpPr>
-        <p:spPr>
-          <a:xfrm>
-            <a:off x="381000" y="685800"/>
-            <a:ext cx="6096000" cy="3429000"/>
-          </a:xfrm>
-          <a:custGeom>
-            <a:avLst/>
-            <a:gdLst/>
-            <a:ahLst/>
-            <a:cxnLst/>
-            <a:rect l="l" t="t" r="r" b="b"/>
-            <a:pathLst>
-              <a:path w="120000" h="120000" extrusionOk="0">
-                <a:moveTo>
-                  <a:pt x="0" y="0"/>
-                </a:moveTo>
-                <a:lnTo>
-                  <a:pt x="120000" y="0"/>
-                </a:lnTo>
-                <a:lnTo>
-                  <a:pt x="120000" y="120000"/>
-                </a:lnTo>
-                <a:lnTo>
-                  <a:pt x="0" y="120000"/>
-                </a:lnTo>
-                <a:close/>
-              </a:path>
-            </a:pathLst>
-          </a:custGeom>
-        </p:spPr>
-      </p:sp>
-      <p:sp>
-        <p:nvSpPr>
-          <p:cNvPr id="409" name="Google Shape;409;g35ed75ccf_0134:notes"/>
-          <p:cNvSpPr txBox="1">
-            <a:spLocks noGrp="1"/>
-          </p:cNvSpPr>
-          <p:nvPr>
-            <p:ph type="body" idx="1"/>
-          </p:nvPr>
-        </p:nvSpPr>
-        <p:spPr>
-          <a:xfrm>
-            <a:off x="685800" y="4343400"/>
-            <a:ext cx="5486400" cy="4114800"/>
-          </a:xfrm>
-          <a:prstGeom prst="rect">
-            <a:avLst/>
-          </a:prstGeom>
-        </p:spPr>
-        <p:txBody>
-          <a:bodyPr spcFirstLastPara="1" wrap="square" lIns="91425" tIns="91425" rIns="91425" bIns="91425" anchor="t" anchorCtr="0">
-            <a:noAutofit/>
-          </a:bodyPr>
-          <a:lstStyle/>
-          <a:p>
-            <a:pPr marL="0" lvl="0" indent="0" algn="l" rtl="0">
-              <a:spcBef>
-                <a:spcPts val="0"/>
-              </a:spcBef>
-              <a:spcAft>
-                <a:spcPts val="0"/>
-              </a:spcAft>
-              <a:buNone/>
-            </a:pPr>
-            <a:endParaRPr/>
-          </a:p>
-        </p:txBody>
-      </p:sp>
-    </p:spTree>
-  </p:cSld>
-  <p:clrMapOvr>
-    <a:masterClrMapping/>
-  </p:clrMapOvr>
-</p:notes>
-</file>
-
-<file path=ppt/notesSlides/notesSlide9.xml><?xml version="1.0" encoding="utf-8"?>
-<p:notes xmlns:a="http://schemas.openxmlformats.org/drawingml/2006/main" xmlns:r="http://schemas.openxmlformats.org/officeDocument/2006/relationships" xmlns:p="http://schemas.openxmlformats.org/presentationml/2006/main" showMasterSp="0" showMasterPhAnim="0">
-  <p:cSld>
-    <p:spTree>
-      <p:nvGrpSpPr>
-        <p:cNvPr id="1" name="Shape 399"/>
-        <p:cNvGrpSpPr/>
-        <p:nvPr/>
-      </p:nvGrpSpPr>
-      <p:grpSpPr>
-        <a:xfrm>
-          <a:off x="0" y="0"/>
-          <a:ext cx="0" cy="0"/>
-          <a:chOff x="0" y="0"/>
-          <a:chExt cx="0" cy="0"/>
-        </a:xfrm>
-      </p:grpSpPr>
-      <p:sp>
-        <p:nvSpPr>
-          <p:cNvPr id="400" name="Google Shape;400;g35ed75ccf_022:notes"/>
-          <p:cNvSpPr>
-            <a:spLocks noGrp="1" noRot="1" noChangeAspect="1"/>
-          </p:cNvSpPr>
-          <p:nvPr>
-            <p:ph type="sldImg" idx="2"/>
-          </p:nvPr>
-        </p:nvSpPr>
-        <p:spPr>
-          <a:xfrm>
-            <a:off x="381000" y="685800"/>
-            <a:ext cx="6096000" cy="3429000"/>
-          </a:xfrm>
-          <a:custGeom>
-            <a:avLst/>
-            <a:gdLst/>
-            <a:ahLst/>
-            <a:cxnLst/>
-            <a:rect l="l" t="t" r="r" b="b"/>
-            <a:pathLst>
-              <a:path w="120000" h="120000" extrusionOk="0">
-                <a:moveTo>
-                  <a:pt x="0" y="0"/>
-                </a:moveTo>
-                <a:lnTo>
-                  <a:pt x="120000" y="0"/>
-                </a:lnTo>
-                <a:lnTo>
-                  <a:pt x="120000" y="120000"/>
-                </a:lnTo>
-                <a:lnTo>
-                  <a:pt x="0" y="120000"/>
-                </a:lnTo>
-                <a:close/>
-              </a:path>
-            </a:pathLst>
-          </a:custGeom>
-        </p:spPr>
-      </p:sp>
-      <p:sp>
-        <p:nvSpPr>
-          <p:cNvPr id="401" name="Google Shape;401;g35ed75ccf_022:notes"/>
           <p:cNvSpPr txBox="1">
             <a:spLocks noGrp="1"/>
           </p:cNvSpPr>
@@ -13418,6 +13687,498 @@
   <p:clrMapOvr>
     <a:masterClrMapping/>
   </p:clrMapOvr>
+  <p:timing>
+    <p:tnLst>
+      <p:par>
+        <p:cTn id="1" dur="indefinite" restart="never" nodeType="tmRoot"/>
+      </p:par>
+    </p:tnLst>
+  </p:timing>
+</p:sld>
+</file>
+
+<file path=ppt/slides/slide10.xml><?xml version="1.0" encoding="utf-8"?>
+<p:sld xmlns:a="http://schemas.openxmlformats.org/drawingml/2006/main" xmlns:r="http://schemas.openxmlformats.org/officeDocument/2006/relationships" xmlns:p="http://schemas.openxmlformats.org/presentationml/2006/main">
+  <p:cSld>
+    <p:spTree>
+      <p:nvGrpSpPr>
+        <p:cNvPr id="1" name="Shape 410"/>
+        <p:cNvGrpSpPr/>
+        <p:nvPr/>
+      </p:nvGrpSpPr>
+      <p:grpSpPr>
+        <a:xfrm>
+          <a:off x="0" y="0"/>
+          <a:ext cx="0" cy="0"/>
+          <a:chOff x="0" y="0"/>
+          <a:chExt cx="0" cy="0"/>
+        </a:xfrm>
+      </p:grpSpPr>
+      <p:sp>
+        <p:nvSpPr>
+          <p:cNvPr id="411" name="Google Shape;411;p39"/>
+          <p:cNvSpPr txBox="1">
+            <a:spLocks noGrp="1"/>
+          </p:cNvSpPr>
+          <p:nvPr>
+            <p:ph type="title"/>
+          </p:nvPr>
+        </p:nvSpPr>
+        <p:spPr>
+          <a:xfrm>
+            <a:off x="1067088" y="912850"/>
+            <a:ext cx="5972100" cy="636000"/>
+          </a:xfrm>
+          <a:prstGeom prst="rect">
+            <a:avLst/>
+          </a:prstGeom>
+        </p:spPr>
+        <p:txBody>
+          <a:bodyPr spcFirstLastPara="1" wrap="square" lIns="91425" tIns="91425" rIns="91425" bIns="91425" anchor="b" anchorCtr="0">
+            <a:noAutofit/>
+          </a:bodyPr>
+          <a:lstStyle/>
+          <a:p>
+            <a:pPr marL="0" lvl="0" indent="0" algn="l" rtl="0">
+              <a:spcBef>
+                <a:spcPts val="0"/>
+              </a:spcBef>
+              <a:spcAft>
+                <a:spcPts val="0"/>
+              </a:spcAft>
+              <a:buNone/>
+            </a:pPr>
+            <a:r>
+              <a:rPr lang="en"/>
+              <a:t>Credits</a:t>
+            </a:r>
+            <a:endParaRPr/>
+          </a:p>
+        </p:txBody>
+      </p:sp>
+      <p:sp>
+        <p:nvSpPr>
+          <p:cNvPr id="412" name="Google Shape;412;p39"/>
+          <p:cNvSpPr txBox="1">
+            <a:spLocks noGrp="1"/>
+          </p:cNvSpPr>
+          <p:nvPr>
+            <p:ph type="body" idx="1"/>
+          </p:nvPr>
+        </p:nvSpPr>
+        <p:spPr>
+          <a:xfrm>
+            <a:off x="685800" y="1650548"/>
+            <a:ext cx="7467600" cy="2764500"/>
+          </a:xfrm>
+          <a:prstGeom prst="rect">
+            <a:avLst/>
+          </a:prstGeom>
+        </p:spPr>
+        <p:txBody>
+          <a:bodyPr spcFirstLastPara="1" wrap="square" lIns="91425" tIns="91425" rIns="91425" bIns="91425" anchor="t" anchorCtr="0">
+            <a:noAutofit/>
+          </a:bodyPr>
+          <a:lstStyle/>
+          <a:p>
+            <a:pPr marL="0" indent="0"/>
+            <a:r>
+              <a:rPr lang="en-US" dirty="0" smtClean="0"/>
+              <a:t> Data Set: </a:t>
+            </a:r>
+            <a:r>
+              <a:rPr lang="en-US" dirty="0" smtClean="0">
+                <a:hlinkClick r:id="rId3"/>
+              </a:rPr>
+              <a:t>https://www.kaggle.com/mandshaw/games-0918</a:t>
+            </a:r>
+            <a:endParaRPr lang="en-US" dirty="0" smtClean="0"/>
+          </a:p>
+          <a:p>
+            <a:pPr marL="0" indent="0"/>
+            <a:r>
+              <a:rPr lang="en-US" sz="2400" dirty="0" smtClean="0"/>
+              <a:t> Data Source: </a:t>
+            </a:r>
+            <a:br>
+              <a:rPr lang="en-US" sz="2400" dirty="0" smtClean="0"/>
+            </a:br>
+            <a:r>
+              <a:rPr lang="en-US" dirty="0" smtClean="0">
+                <a:hlinkClick r:id="rId4"/>
+              </a:rPr>
+              <a:t>https://boardgamegeek.com/</a:t>
+            </a:r>
+            <a:endParaRPr lang="en-US" dirty="0" smtClean="0"/>
+          </a:p>
+          <a:p>
+            <a:pPr marL="0" indent="0"/>
+            <a:r>
+              <a:rPr lang="en-US" sz="2400" dirty="0" smtClean="0"/>
+              <a:t> Project Notebook: </a:t>
+            </a:r>
+            <a:r>
+              <a:rPr lang="en-US" dirty="0" smtClean="0">
+                <a:hlinkClick r:id="rId5"/>
+              </a:rPr>
+              <a:t>https://github.com/Atksmith88/board-game-statistics</a:t>
+            </a:r>
+            <a:endParaRPr lang="en" sz="2400" dirty="0"/>
+          </a:p>
+        </p:txBody>
+      </p:sp>
+      <p:sp>
+        <p:nvSpPr>
+          <p:cNvPr id="413" name="Google Shape;413;p39"/>
+          <p:cNvSpPr txBox="1">
+            <a:spLocks noGrp="1"/>
+          </p:cNvSpPr>
+          <p:nvPr>
+            <p:ph type="sldNum" idx="12"/>
+          </p:nvPr>
+        </p:nvSpPr>
+        <p:spPr>
+          <a:xfrm>
+            <a:off x="8556775" y="4812625"/>
+            <a:ext cx="587100" cy="330900"/>
+          </a:xfrm>
+          <a:prstGeom prst="rect">
+            <a:avLst/>
+          </a:prstGeom>
+        </p:spPr>
+        <p:txBody>
+          <a:bodyPr spcFirstLastPara="1" wrap="square" lIns="91425" tIns="91425" rIns="91425" bIns="91425" anchor="t" anchorCtr="0">
+            <a:noAutofit/>
+          </a:bodyPr>
+          <a:lstStyle/>
+          <a:p>
+            <a:pPr marL="0" lvl="0" indent="0" algn="r" rtl="0">
+              <a:spcBef>
+                <a:spcPts val="0"/>
+              </a:spcBef>
+              <a:spcAft>
+                <a:spcPts val="0"/>
+              </a:spcAft>
+              <a:buNone/>
+            </a:pPr>
+            <a:fld id="{00000000-1234-1234-1234-123412341234}" type="slidenum">
+              <a:rPr lang="en"/>
+              <a:pPr marL="0" lvl="0" indent="0" algn="r" rtl="0">
+                <a:spcBef>
+                  <a:spcPts val="0"/>
+                </a:spcBef>
+                <a:spcAft>
+                  <a:spcPts val="0"/>
+                </a:spcAft>
+                <a:buNone/>
+              </a:pPr>
+              <a:t>10</a:t>
+            </a:fld>
+            <a:endParaRPr/>
+          </a:p>
+        </p:txBody>
+      </p:sp>
+    </p:spTree>
+  </p:cSld>
+  <p:clrMapOvr>
+    <a:masterClrMapping/>
+  </p:clrMapOvr>
+  <p:timing>
+    <p:tnLst>
+      <p:par>
+        <p:cTn id="1" dur="indefinite" restart="never" nodeType="tmRoot"/>
+      </p:par>
+    </p:tnLst>
+  </p:timing>
+</p:sld>
+</file>
+
+<file path=ppt/slides/slide11.xml><?xml version="1.0" encoding="utf-8"?>
+<p:sld xmlns:a="http://schemas.openxmlformats.org/drawingml/2006/main" xmlns:r="http://schemas.openxmlformats.org/officeDocument/2006/relationships" xmlns:p="http://schemas.openxmlformats.org/presentationml/2006/main">
+  <p:cSld>
+    <p:spTree>
+      <p:nvGrpSpPr>
+        <p:cNvPr id="1" name="Shape 402"/>
+        <p:cNvGrpSpPr/>
+        <p:nvPr/>
+      </p:nvGrpSpPr>
+      <p:grpSpPr>
+        <a:xfrm>
+          <a:off x="0" y="0"/>
+          <a:ext cx="0" cy="0"/>
+          <a:chOff x="0" y="0"/>
+          <a:chExt cx="0" cy="0"/>
+        </a:xfrm>
+      </p:grpSpPr>
+      <p:sp>
+        <p:nvSpPr>
+          <p:cNvPr id="403" name="Google Shape;403;p38"/>
+          <p:cNvSpPr txBox="1">
+            <a:spLocks noGrp="1"/>
+          </p:cNvSpPr>
+          <p:nvPr>
+            <p:ph type="ctrTitle" idx="4294967295"/>
+          </p:nvPr>
+        </p:nvSpPr>
+        <p:spPr>
+          <a:xfrm>
+            <a:off x="2715450" y="1523250"/>
+            <a:ext cx="3691200" cy="1159800"/>
+          </a:xfrm>
+          <a:prstGeom prst="rect">
+            <a:avLst/>
+          </a:prstGeom>
+        </p:spPr>
+        <p:txBody>
+          <a:bodyPr spcFirstLastPara="1" wrap="square" lIns="91425" tIns="91425" rIns="91425" bIns="91425" anchor="b" anchorCtr="0">
+            <a:noAutofit/>
+          </a:bodyPr>
+          <a:lstStyle/>
+          <a:p>
+            <a:pPr marL="0" lvl="0" indent="0" algn="l" rtl="0">
+              <a:spcBef>
+                <a:spcPts val="0"/>
+              </a:spcBef>
+              <a:spcAft>
+                <a:spcPts val="0"/>
+              </a:spcAft>
+              <a:buNone/>
+            </a:pPr>
+            <a:r>
+              <a:rPr lang="en" sz="6000"/>
+              <a:t>THANKS!</a:t>
+            </a:r>
+            <a:endParaRPr sz="6000"/>
+          </a:p>
+        </p:txBody>
+      </p:sp>
+      <p:sp>
+        <p:nvSpPr>
+          <p:cNvPr id="404" name="Google Shape;404;p38"/>
+          <p:cNvSpPr txBox="1">
+            <a:spLocks noGrp="1"/>
+          </p:cNvSpPr>
+          <p:nvPr>
+            <p:ph type="subTitle" idx="4294967295"/>
+          </p:nvPr>
+        </p:nvSpPr>
+        <p:spPr>
+          <a:xfrm>
+            <a:off x="2715450" y="2494275"/>
+            <a:ext cx="4939200" cy="1451700"/>
+          </a:xfrm>
+          <a:prstGeom prst="rect">
+            <a:avLst/>
+          </a:prstGeom>
+        </p:spPr>
+        <p:txBody>
+          <a:bodyPr spcFirstLastPara="1" wrap="square" lIns="91425" tIns="91425" rIns="91425" bIns="91425" anchor="t" anchorCtr="0">
+            <a:noAutofit/>
+          </a:bodyPr>
+          <a:lstStyle/>
+          <a:p>
+            <a:pPr marL="0" lvl="0" indent="0" algn="l" rtl="0">
+              <a:spcBef>
+                <a:spcPts val="600"/>
+              </a:spcBef>
+              <a:spcAft>
+                <a:spcPts val="0"/>
+              </a:spcAft>
+              <a:buNone/>
+            </a:pPr>
+            <a:r>
+              <a:rPr lang="en" b="1" dirty="0">
+                <a:solidFill>
+                  <a:srgbClr val="66FF33"/>
+                </a:solidFill>
+              </a:rPr>
+              <a:t>Any questions?</a:t>
+            </a:r>
+            <a:endParaRPr b="1">
+              <a:solidFill>
+                <a:srgbClr val="66FF33"/>
+              </a:solidFill>
+            </a:endParaRPr>
+          </a:p>
+          <a:p>
+            <a:pPr marL="0" lvl="0" indent="0" algn="l" rtl="0">
+              <a:spcBef>
+                <a:spcPts val="600"/>
+              </a:spcBef>
+              <a:spcAft>
+                <a:spcPts val="0"/>
+              </a:spcAft>
+              <a:buClr>
+                <a:schemeClr val="dk1"/>
+              </a:buClr>
+              <a:buSzPts val="1100"/>
+              <a:buFont typeface="Arial"/>
+              <a:buNone/>
+            </a:pPr>
+            <a:r>
+              <a:rPr lang="en" sz="1800" dirty="0"/>
+              <a:t>You can find me at:</a:t>
+            </a:r>
+            <a:endParaRPr sz="1800"/>
+          </a:p>
+          <a:p>
+            <a:pPr marL="0" lvl="0" indent="0" algn="l" rtl="0">
+              <a:spcBef>
+                <a:spcPts val="600"/>
+              </a:spcBef>
+              <a:spcAft>
+                <a:spcPts val="0"/>
+              </a:spcAft>
+              <a:buClr>
+                <a:schemeClr val="dk1"/>
+              </a:buClr>
+              <a:buSzPts val="1100"/>
+              <a:buFont typeface="Arial"/>
+              <a:buNone/>
+            </a:pPr>
+            <a:r>
+              <a:rPr lang="en" sz="1800" dirty="0" smtClean="0"/>
+              <a:t>Github: Atksmith88</a:t>
+            </a:r>
+          </a:p>
+          <a:p>
+            <a:pPr marL="0" lvl="0" indent="0" algn="l" rtl="0">
+              <a:spcBef>
+                <a:spcPts val="600"/>
+              </a:spcBef>
+              <a:spcAft>
+                <a:spcPts val="0"/>
+              </a:spcAft>
+              <a:buClr>
+                <a:schemeClr val="dk1"/>
+              </a:buClr>
+              <a:buSzPts val="1100"/>
+              <a:buFont typeface="Arial"/>
+              <a:buNone/>
+            </a:pPr>
+            <a:r>
+              <a:rPr lang="en" sz="1800" dirty="0" smtClean="0"/>
+              <a:t>Email: </a:t>
+            </a:r>
+            <a:r>
+              <a:rPr lang="en" sz="1800" dirty="0" smtClean="0">
+                <a:hlinkClick r:id="rId3"/>
+              </a:rPr>
+              <a:t>atksmith88@gmail.com</a:t>
+            </a:r>
+            <a:endParaRPr lang="en" sz="1800" dirty="0" smtClean="0"/>
+          </a:p>
+          <a:p>
+            <a:pPr marL="0" lvl="0" indent="0" algn="l" rtl="0">
+              <a:spcBef>
+                <a:spcPts val="600"/>
+              </a:spcBef>
+              <a:spcAft>
+                <a:spcPts val="0"/>
+              </a:spcAft>
+              <a:buClr>
+                <a:schemeClr val="dk1"/>
+              </a:buClr>
+              <a:buSzPts val="1100"/>
+              <a:buFont typeface="Arial"/>
+              <a:buNone/>
+            </a:pPr>
+            <a:endParaRPr sz="1800"/>
+          </a:p>
+        </p:txBody>
+      </p:sp>
+      <p:pic>
+        <p:nvPicPr>
+          <p:cNvPr id="405" name="Google Shape;405;p38" descr="10.jpg"/>
+          <p:cNvPicPr preferRelativeResize="0"/>
+          <p:nvPr/>
+        </p:nvPicPr>
+        <p:blipFill rotWithShape="1">
+          <a:blip r:embed="rId4">
+            <a:alphaModFix/>
+          </a:blip>
+          <a:srcRect l="22840" t="14463" r="22840" b="19038"/>
+          <a:stretch/>
+        </p:blipFill>
+        <p:spPr>
+          <a:xfrm rot="-5400000">
+            <a:off x="-506100" y="506025"/>
+            <a:ext cx="3251400" cy="2239200"/>
+          </a:xfrm>
+          <a:prstGeom prst="parallelogram">
+            <a:avLst>
+              <a:gd name="adj" fmla="val 63779"/>
+            </a:avLst>
+          </a:prstGeom>
+          <a:noFill/>
+          <a:ln>
+            <a:noFill/>
+          </a:ln>
+        </p:spPr>
+      </p:pic>
+      <p:sp>
+        <p:nvSpPr>
+          <p:cNvPr id="406" name="Google Shape;406;p38"/>
+          <p:cNvSpPr txBox="1">
+            <a:spLocks noGrp="1"/>
+          </p:cNvSpPr>
+          <p:nvPr>
+            <p:ph type="sldNum" idx="12"/>
+          </p:nvPr>
+        </p:nvSpPr>
+        <p:spPr>
+          <a:xfrm>
+            <a:off x="8556775" y="4812625"/>
+            <a:ext cx="587100" cy="330900"/>
+          </a:xfrm>
+          <a:prstGeom prst="rect">
+            <a:avLst/>
+          </a:prstGeom>
+        </p:spPr>
+        <p:txBody>
+          <a:bodyPr spcFirstLastPara="1" wrap="square" lIns="91425" tIns="91425" rIns="91425" bIns="91425" anchor="t" anchorCtr="0">
+            <a:noAutofit/>
+          </a:bodyPr>
+          <a:lstStyle/>
+          <a:p>
+            <a:pPr marL="0" lvl="0" indent="0" algn="r" rtl="0">
+              <a:spcBef>
+                <a:spcPts val="0"/>
+              </a:spcBef>
+              <a:spcAft>
+                <a:spcPts val="0"/>
+              </a:spcAft>
+              <a:buNone/>
+            </a:pPr>
+            <a:fld id="{00000000-1234-1234-1234-123412341234}" type="slidenum">
+              <a:rPr lang="en"/>
+              <a:pPr marL="0" lvl="0" indent="0" algn="r" rtl="0">
+                <a:spcBef>
+                  <a:spcPts val="0"/>
+                </a:spcBef>
+                <a:spcAft>
+                  <a:spcPts val="0"/>
+                </a:spcAft>
+                <a:buNone/>
+              </a:pPr>
+              <a:t>11</a:t>
+            </a:fld>
+            <a:endParaRPr/>
+          </a:p>
+        </p:txBody>
+      </p:sp>
+    </p:spTree>
+  </p:cSld>
+  <p:clrMapOvr>
+    <a:masterClrMapping/>
+  </p:clrMapOvr>
+  <p:timing>
+    <p:tnLst>
+      <p:par>
+        <p:cTn id="1" dur="indefinite" restart="never" nodeType="tmRoot"/>
+      </p:par>
+    </p:tnLst>
+  </p:timing>
 </p:sld>
 </file>
 
@@ -13625,6 +14386,13 @@
   <p:clrMapOvr>
     <a:masterClrMapping/>
   </p:clrMapOvr>
+  <p:timing>
+    <p:tnLst>
+      <p:par>
+        <p:cTn id="1" dur="indefinite" restart="never" nodeType="tmRoot"/>
+      </p:par>
+    </p:tnLst>
+  </p:timing>
 </p:sld>
 </file>
 
@@ -13759,6 +14527,13 @@
   <p:clrMapOvr>
     <a:masterClrMapping/>
   </p:clrMapOvr>
+  <p:timing>
+    <p:tnLst>
+      <p:par>
+        <p:cTn id="1" dur="indefinite" restart="never" nodeType="tmRoot"/>
+      </p:par>
+    </p:tnLst>
+  </p:timing>
 </p:sld>
 </file>
 
@@ -13856,22 +14631,14 @@
             <a:pPr marL="0" indent="0"/>
             <a:r>
               <a:rPr lang="en-US" dirty="0" smtClean="0"/>
-              <a:t> </a:t>
-            </a:r>
-            <a:r>
-              <a:rPr lang="en-US" dirty="0" smtClean="0"/>
-              <a:t>Minimum &amp; Maximum Players</a:t>
+              <a:t> Minimum &amp; Maximum Players</a:t>
             </a:r>
           </a:p>
           <a:p>
             <a:pPr marL="0" indent="0"/>
             <a:r>
               <a:rPr lang="en-US" dirty="0" smtClean="0"/>
-              <a:t> </a:t>
-            </a:r>
-            <a:r>
-              <a:rPr lang="en-US" dirty="0" smtClean="0"/>
-              <a:t>Playing Time</a:t>
+              <a:t> Playing Time</a:t>
             </a:r>
           </a:p>
           <a:p>
@@ -13885,22 +14652,14 @@
             <a:pPr marL="0" indent="0"/>
             <a:r>
               <a:rPr lang="en-US" dirty="0" smtClean="0"/>
-              <a:t> </a:t>
-            </a:r>
-            <a:r>
-              <a:rPr lang="en-US" dirty="0" smtClean="0"/>
-              <a:t>Average Weight (Complexity)</a:t>
+              <a:t> Average Weight (Complexity)</a:t>
             </a:r>
           </a:p>
           <a:p>
             <a:pPr marL="0" indent="0"/>
             <a:r>
               <a:rPr lang="en-US" dirty="0" smtClean="0"/>
-              <a:t> </a:t>
-            </a:r>
-            <a:r>
-              <a:rPr lang="en-US" dirty="0" smtClean="0"/>
-              <a:t>Average Rating</a:t>
+              <a:t> Average Rating</a:t>
             </a:r>
           </a:p>
           <a:p>
@@ -13944,22 +14703,14 @@
             <a:pPr marL="0" indent="0"/>
             <a:r>
               <a:rPr lang="en-US" dirty="0" smtClean="0"/>
-              <a:t> </a:t>
-            </a:r>
-            <a:r>
-              <a:rPr lang="en-US" dirty="0" smtClean="0"/>
-              <a:t>Reduced to 40</a:t>
+              <a:t> Reduced to 40</a:t>
             </a:r>
           </a:p>
           <a:p>
             <a:pPr marL="0" indent="0"/>
             <a:r>
               <a:rPr lang="en-US" dirty="0" smtClean="0"/>
-              <a:t> </a:t>
-            </a:r>
-            <a:r>
-              <a:rPr lang="en-US" dirty="0" smtClean="0"/>
-              <a:t>Combinations:</a:t>
+              <a:t> Combinations:</a:t>
             </a:r>
           </a:p>
           <a:p>
@@ -13978,44 +14729,28 @@
             <a:pPr marL="457200" lvl="1" indent="0"/>
             <a:r>
               <a:rPr lang="en-US" dirty="0" smtClean="0"/>
-              <a:t> </a:t>
-            </a:r>
-            <a:r>
-              <a:rPr lang="en-US" dirty="0" smtClean="0"/>
-              <a:t>Educational</a:t>
+              <a:t> Educational</a:t>
             </a:r>
           </a:p>
           <a:p>
             <a:pPr marL="457200" lvl="1" indent="0"/>
             <a:r>
               <a:rPr lang="en-US" dirty="0" smtClean="0"/>
-              <a:t> </a:t>
-            </a:r>
-            <a:r>
-              <a:rPr lang="en-US" dirty="0" smtClean="0"/>
-              <a:t>Historical</a:t>
+              <a:t> Historical</a:t>
             </a:r>
           </a:p>
           <a:p>
             <a:pPr marL="457200" lvl="1" indent="0"/>
             <a:r>
               <a:rPr lang="en-US" dirty="0" smtClean="0"/>
-              <a:t> </a:t>
-            </a:r>
-            <a:r>
-              <a:rPr lang="en-US" dirty="0" smtClean="0"/>
-              <a:t>Culture</a:t>
+              <a:t> Culture</a:t>
             </a:r>
           </a:p>
           <a:p>
             <a:pPr marL="457200" lvl="1" indent="0"/>
             <a:r>
               <a:rPr lang="en-US" dirty="0" smtClean="0"/>
-              <a:t> </a:t>
-            </a:r>
-            <a:r>
-              <a:rPr lang="en-US" dirty="0" smtClean="0"/>
-              <a:t>Transportation</a:t>
+              <a:t> Transportation</a:t>
             </a:r>
             <a:endParaRPr/>
           </a:p>
@@ -14056,33 +14791,21 @@
             <a:pPr marL="0" indent="0"/>
             <a:r>
               <a:rPr lang="en-US" dirty="0" smtClean="0"/>
-              <a:t> </a:t>
-            </a:r>
-            <a:r>
-              <a:rPr lang="en-US" dirty="0" smtClean="0"/>
-              <a:t>Reduced to 45</a:t>
+              <a:t> Reduced to 45</a:t>
             </a:r>
           </a:p>
           <a:p>
             <a:pPr marL="0" indent="0"/>
             <a:r>
               <a:rPr lang="en-US" dirty="0" smtClean="0"/>
-              <a:t> </a:t>
-            </a:r>
-            <a:r>
-              <a:rPr lang="en-US" dirty="0" smtClean="0"/>
-              <a:t>Combination:</a:t>
+              <a:t> Combination:</a:t>
             </a:r>
           </a:p>
           <a:p>
             <a:pPr marL="457200" lvl="1" indent="0"/>
             <a:r>
               <a:rPr lang="en-US" dirty="0" smtClean="0"/>
-              <a:t> </a:t>
-            </a:r>
-            <a:r>
-              <a:rPr lang="en-US" dirty="0" smtClean="0"/>
-              <a:t>Movement</a:t>
+              <a:t> Movement</a:t>
             </a:r>
             <a:endParaRPr/>
           </a:p>
@@ -14144,10 +14867,231 @@
   <p:clrMapOvr>
     <a:masterClrMapping/>
   </p:clrMapOvr>
+  <p:timing>
+    <p:tnLst>
+      <p:par>
+        <p:cTn id="1" dur="indefinite" restart="never" nodeType="tmRoot"/>
+      </p:par>
+    </p:tnLst>
+  </p:timing>
 </p:sld>
 </file>
 
 <file path=ppt/slides/slide5.xml><?xml version="1.0" encoding="utf-8"?>
+<p:sld xmlns:a="http://schemas.openxmlformats.org/drawingml/2006/main" xmlns:r="http://schemas.openxmlformats.org/officeDocument/2006/relationships" xmlns:p="http://schemas.openxmlformats.org/presentationml/2006/main">
+  <p:cSld>
+    <p:spTree>
+      <p:nvGrpSpPr>
+        <p:cNvPr id="1" name="Shape 286"/>
+        <p:cNvGrpSpPr/>
+        <p:nvPr/>
+      </p:nvGrpSpPr>
+      <p:grpSpPr>
+        <a:xfrm>
+          <a:off x="0" y="0"/>
+          <a:ext cx="0" cy="0"/>
+          <a:chOff x="0" y="0"/>
+          <a:chExt cx="0" cy="0"/>
+        </a:xfrm>
+      </p:grpSpPr>
+      <p:sp>
+        <p:nvSpPr>
+          <p:cNvPr id="18" name="TextBox 17"/>
+          <p:cNvSpPr txBox="1"/>
+          <p:nvPr/>
+        </p:nvSpPr>
+        <p:spPr>
+          <a:xfrm>
+            <a:off x="4800600" y="269788"/>
+            <a:ext cx="3733800" cy="230832"/>
+          </a:xfrm>
+          <a:prstGeom prst="rect">
+            <a:avLst/>
+          </a:prstGeom>
+          <a:solidFill>
+            <a:schemeClr val="bg1"/>
+          </a:solidFill>
+        </p:spPr>
+        <p:txBody>
+          <a:bodyPr wrap="square" rtlCol="0">
+            <a:spAutoFit/>
+          </a:bodyPr>
+          <a:lstStyle/>
+          <a:p>
+            <a:pPr algn="ctr"/>
+            <a:r>
+              <a:rPr lang="en-US" sz="900" dirty="0" smtClean="0"/>
+              <a:t>Base Feature Correlation Matrix</a:t>
+            </a:r>
+            <a:endParaRPr lang="en-US" sz="900" dirty="0"/>
+          </a:p>
+        </p:txBody>
+      </p:sp>
+      <p:sp>
+        <p:nvSpPr>
+          <p:cNvPr id="287" name="Google Shape;287;p26"/>
+          <p:cNvSpPr txBox="1">
+            <a:spLocks noGrp="1"/>
+          </p:cNvSpPr>
+          <p:nvPr>
+            <p:ph type="title"/>
+          </p:nvPr>
+        </p:nvSpPr>
+        <p:spPr>
+          <a:xfrm>
+            <a:off x="762000" y="57150"/>
+            <a:ext cx="5972100" cy="636000"/>
+          </a:xfrm>
+          <a:prstGeom prst="rect">
+            <a:avLst/>
+          </a:prstGeom>
+        </p:spPr>
+        <p:txBody>
+          <a:bodyPr spcFirstLastPara="1" wrap="square" lIns="91425" tIns="91425" rIns="91425" bIns="91425" anchor="b" anchorCtr="0">
+            <a:noAutofit/>
+          </a:bodyPr>
+          <a:lstStyle/>
+          <a:p>
+            <a:pPr marL="0" lvl="0" indent="0" algn="l" rtl="0">
+              <a:spcBef>
+                <a:spcPts val="0"/>
+              </a:spcBef>
+              <a:spcAft>
+                <a:spcPts val="0"/>
+              </a:spcAft>
+              <a:buNone/>
+            </a:pPr>
+            <a:r>
+              <a:rPr lang="en" dirty="0" smtClean="0"/>
+              <a:t>Visualizations</a:t>
+            </a:r>
+            <a:endParaRPr/>
+          </a:p>
+        </p:txBody>
+      </p:sp>
+      <p:sp>
+        <p:nvSpPr>
+          <p:cNvPr id="291" name="Google Shape;291;p26"/>
+          <p:cNvSpPr txBox="1">
+            <a:spLocks noGrp="1"/>
+          </p:cNvSpPr>
+          <p:nvPr>
+            <p:ph type="sldNum" idx="12"/>
+          </p:nvPr>
+        </p:nvSpPr>
+        <p:spPr>
+          <a:xfrm>
+            <a:off x="8556775" y="4812625"/>
+            <a:ext cx="587100" cy="330900"/>
+          </a:xfrm>
+          <a:prstGeom prst="rect">
+            <a:avLst/>
+          </a:prstGeom>
+        </p:spPr>
+        <p:txBody>
+          <a:bodyPr spcFirstLastPara="1" wrap="square" lIns="91425" tIns="91425" rIns="91425" bIns="91425" anchor="t" anchorCtr="0">
+            <a:noAutofit/>
+          </a:bodyPr>
+          <a:lstStyle/>
+          <a:p>
+            <a:pPr marL="0" lvl="0" indent="0" algn="r" rtl="0">
+              <a:spcBef>
+                <a:spcPts val="0"/>
+              </a:spcBef>
+              <a:spcAft>
+                <a:spcPts val="0"/>
+              </a:spcAft>
+              <a:buNone/>
+            </a:pPr>
+            <a:fld id="{00000000-1234-1234-1234-123412341234}" type="slidenum">
+              <a:rPr lang="en"/>
+              <a:pPr marL="0" lvl="0" indent="0" algn="r" rtl="0">
+                <a:spcBef>
+                  <a:spcPts val="0"/>
+                </a:spcBef>
+                <a:spcAft>
+                  <a:spcPts val="0"/>
+                </a:spcAft>
+                <a:buNone/>
+              </a:pPr>
+              <a:t>5</a:t>
+            </a:fld>
+            <a:endParaRPr/>
+          </a:p>
+        </p:txBody>
+      </p:sp>
+      <p:pic>
+        <p:nvPicPr>
+          <p:cNvPr id="14" name="Picture 13" descr="rating_by_weight_time.png"/>
+          <p:cNvPicPr>
+            <a:picLocks noChangeAspect="1"/>
+          </p:cNvPicPr>
+          <p:nvPr/>
+        </p:nvPicPr>
+        <p:blipFill>
+          <a:blip r:embed="rId3"/>
+          <a:stretch>
+            <a:fillRect/>
+          </a:stretch>
+        </p:blipFill>
+        <p:spPr>
+          <a:xfrm>
+            <a:off x="348048" y="835626"/>
+            <a:ext cx="4249676" cy="2971801"/>
+          </a:xfrm>
+          <a:prstGeom prst="rect">
+            <a:avLst/>
+          </a:prstGeom>
+          <a:solidFill>
+            <a:srgbClr val="FFFFFF">
+              <a:shade val="85000"/>
+            </a:srgbClr>
+          </a:solidFill>
+        </p:spPr>
+      </p:pic>
+      <p:pic>
+        <p:nvPicPr>
+          <p:cNvPr id="17" name="Picture 16" descr="base_feature_corr.png"/>
+          <p:cNvPicPr>
+            <a:picLocks noChangeAspect="1"/>
+          </p:cNvPicPr>
+          <p:nvPr/>
+        </p:nvPicPr>
+        <p:blipFill>
+          <a:blip r:embed="rId4"/>
+          <a:stretch>
+            <a:fillRect/>
+          </a:stretch>
+        </p:blipFill>
+        <p:spPr>
+          <a:xfrm>
+            <a:off x="4800600" y="438150"/>
+            <a:ext cx="3731317" cy="3790950"/>
+          </a:xfrm>
+          <a:prstGeom prst="rect">
+            <a:avLst/>
+          </a:prstGeom>
+          <a:solidFill>
+            <a:schemeClr val="bg1"/>
+          </a:solidFill>
+        </p:spPr>
+      </p:pic>
+    </p:spTree>
+  </p:cSld>
+  <p:clrMapOvr>
+    <a:masterClrMapping/>
+  </p:clrMapOvr>
+  <p:timing>
+    <p:tnLst>
+      <p:par>
+        <p:cTn id="1" dur="indefinite" restart="never" nodeType="tmRoot"/>
+      </p:par>
+    </p:tnLst>
+  </p:timing>
+</p:sld>
+</file>
+
+<file path=ppt/slides/slide6.xml><?xml version="1.0" encoding="utf-8"?>
 <p:sld xmlns:a="http://schemas.openxmlformats.org/drawingml/2006/main" xmlns:r="http://schemas.openxmlformats.org/officeDocument/2006/relationships" xmlns:p="http://schemas.openxmlformats.org/presentationml/2006/main">
   <p:cSld>
     <p:spTree>
@@ -14172,8 +15116,8 @@
         </p:nvSpPr>
         <p:spPr>
           <a:xfrm>
-            <a:off x="4343400" y="133350"/>
-            <a:ext cx="4724400" cy="2819400"/>
+            <a:off x="685800" y="514350"/>
+            <a:ext cx="7696200" cy="4572000"/>
           </a:xfrm>
           <a:prstGeom prst="rect">
             <a:avLst/>
@@ -14212,14 +15156,191 @@
       </p:sp>
       <p:sp>
         <p:nvSpPr>
+          <p:cNvPr id="287" name="Google Shape;287;p26"/>
+          <p:cNvSpPr txBox="1">
+            <a:spLocks noGrp="1"/>
+          </p:cNvSpPr>
+          <p:nvPr>
+            <p:ph type="title"/>
+          </p:nvPr>
+        </p:nvSpPr>
+        <p:spPr>
+          <a:xfrm>
+            <a:off x="762000" y="57150"/>
+            <a:ext cx="5972100" cy="636000"/>
+          </a:xfrm>
+          <a:prstGeom prst="rect">
+            <a:avLst/>
+          </a:prstGeom>
+        </p:spPr>
+        <p:txBody>
+          <a:bodyPr spcFirstLastPara="1" wrap="square" lIns="91425" tIns="91425" rIns="91425" bIns="91425" anchor="b" anchorCtr="0">
+            <a:noAutofit/>
+          </a:bodyPr>
+          <a:lstStyle/>
+          <a:p>
+            <a:pPr marL="0" lvl="0" indent="0" algn="l" rtl="0">
+              <a:spcBef>
+                <a:spcPts val="0"/>
+              </a:spcBef>
+              <a:spcAft>
+                <a:spcPts val="0"/>
+              </a:spcAft>
+              <a:buNone/>
+            </a:pPr>
+            <a:r>
+              <a:rPr lang="en" dirty="0" smtClean="0"/>
+              <a:t>Visualizations</a:t>
+            </a:r>
+            <a:endParaRPr/>
+          </a:p>
+        </p:txBody>
+      </p:sp>
+      <p:sp>
+        <p:nvSpPr>
+          <p:cNvPr id="291" name="Google Shape;291;p26"/>
+          <p:cNvSpPr txBox="1">
+            <a:spLocks noGrp="1"/>
+          </p:cNvSpPr>
+          <p:nvPr>
+            <p:ph type="sldNum" idx="12"/>
+          </p:nvPr>
+        </p:nvSpPr>
+        <p:spPr>
+          <a:xfrm>
+            <a:off x="8556775" y="4812625"/>
+            <a:ext cx="587100" cy="330900"/>
+          </a:xfrm>
+          <a:prstGeom prst="rect">
+            <a:avLst/>
+          </a:prstGeom>
+        </p:spPr>
+        <p:txBody>
+          <a:bodyPr spcFirstLastPara="1" wrap="square" lIns="91425" tIns="91425" rIns="91425" bIns="91425" anchor="t" anchorCtr="0">
+            <a:noAutofit/>
+          </a:bodyPr>
+          <a:lstStyle/>
+          <a:p>
+            <a:pPr marL="0" lvl="0" indent="0" algn="r" rtl="0">
+              <a:spcBef>
+                <a:spcPts val="0"/>
+              </a:spcBef>
+              <a:spcAft>
+                <a:spcPts val="0"/>
+              </a:spcAft>
+              <a:buNone/>
+            </a:pPr>
+            <a:fld id="{00000000-1234-1234-1234-123412341234}" type="slidenum">
+              <a:rPr lang="en"/>
+              <a:pPr marL="0" lvl="0" indent="0" algn="r" rtl="0">
+                <a:spcBef>
+                  <a:spcPts val="0"/>
+                </a:spcBef>
+                <a:spcAft>
+                  <a:spcPts val="0"/>
+                </a:spcAft>
+                <a:buNone/>
+              </a:pPr>
+              <a:t>6</a:t>
+            </a:fld>
+            <a:endParaRPr/>
+          </a:p>
+        </p:txBody>
+      </p:sp>
+      <p:pic>
+        <p:nvPicPr>
+          <p:cNvPr id="10" name="Picture 9" descr="rating_by_mechanic.png"/>
+          <p:cNvPicPr>
+            <a:picLocks/>
+          </p:cNvPicPr>
+          <p:nvPr/>
+        </p:nvPicPr>
+        <p:blipFill>
+          <a:blip r:embed="rId3"/>
+          <a:srcRect t="56787"/>
+          <a:stretch>
+            <a:fillRect/>
+          </a:stretch>
+        </p:blipFill>
+        <p:spPr>
+          <a:xfrm>
+            <a:off x="4532544" y="759404"/>
+            <a:ext cx="3810000" cy="3476822"/>
+          </a:xfrm>
+          <a:prstGeom prst="rect">
+            <a:avLst/>
+          </a:prstGeom>
+          <a:noFill/>
+        </p:spPr>
+      </p:pic>
+      <p:pic>
+        <p:nvPicPr>
+          <p:cNvPr id="9" name="Picture 8" descr="rating_by_mechanic.png"/>
+          <p:cNvPicPr>
+            <a:picLocks noChangeAspect="1"/>
+          </p:cNvPicPr>
+          <p:nvPr/>
+        </p:nvPicPr>
+        <p:blipFill>
+          <a:blip r:embed="rId3"/>
+          <a:srcRect b="43529"/>
+          <a:stretch>
+            <a:fillRect/>
+          </a:stretch>
+        </p:blipFill>
+        <p:spPr>
+          <a:xfrm>
+            <a:off x="685800" y="514350"/>
+            <a:ext cx="3853245" cy="4547419"/>
+          </a:xfrm>
+          <a:prstGeom prst="rect">
+            <a:avLst/>
+          </a:prstGeom>
+          <a:noFill/>
+        </p:spPr>
+      </p:pic>
+    </p:spTree>
+  </p:cSld>
+  <p:clrMapOvr>
+    <a:masterClrMapping/>
+  </p:clrMapOvr>
+  <p:timing>
+    <p:tnLst>
+      <p:par>
+        <p:cTn id="1" dur="indefinite" restart="never" nodeType="tmRoot"/>
+      </p:par>
+    </p:tnLst>
+  </p:timing>
+</p:sld>
+</file>
+
+<file path=ppt/slides/slide7.xml><?xml version="1.0" encoding="utf-8"?>
+<p:sld xmlns:a="http://schemas.openxmlformats.org/drawingml/2006/main" xmlns:r="http://schemas.openxmlformats.org/officeDocument/2006/relationships" xmlns:p="http://schemas.openxmlformats.org/presentationml/2006/main">
+  <p:cSld>
+    <p:spTree>
+      <p:nvGrpSpPr>
+        <p:cNvPr id="1" name="Shape 286"/>
+        <p:cNvGrpSpPr/>
+        <p:nvPr/>
+      </p:nvGrpSpPr>
+      <p:grpSpPr>
+        <a:xfrm>
+          <a:off x="0" y="0"/>
+          <a:ext cx="0" cy="0"/>
+          <a:chOff x="0" y="0"/>
+          <a:chExt cx="0" cy="0"/>
+        </a:xfrm>
+      </p:grpSpPr>
+      <p:sp>
+        <p:nvSpPr>
           <p:cNvPr id="15" name="Rectangle 14"/>
           <p:cNvSpPr/>
           <p:nvPr/>
         </p:nvSpPr>
         <p:spPr>
           <a:xfrm>
-            <a:off x="152400" y="3105150"/>
-            <a:ext cx="8915400" cy="1371600"/>
+            <a:off x="794951" y="584886"/>
+            <a:ext cx="7010400" cy="4343400"/>
           </a:xfrm>
           <a:prstGeom prst="rect">
             <a:avLst/>
@@ -14258,6 +15379,32 @@
       </p:sp>
       <p:pic>
         <p:nvPicPr>
+          <p:cNvPr id="12" name="Picture 11" descr="rating_by_category.png"/>
+          <p:cNvPicPr>
+            <a:picLocks noChangeAspect="1"/>
+          </p:cNvPicPr>
+          <p:nvPr/>
+        </p:nvPicPr>
+        <p:blipFill>
+          <a:blip r:embed="rId3"/>
+          <a:srcRect t="51481" b="24626"/>
+          <a:stretch>
+            <a:fillRect/>
+          </a:stretch>
+        </p:blipFill>
+        <p:spPr>
+          <a:xfrm>
+            <a:off x="4209535" y="837684"/>
+            <a:ext cx="3452030" cy="1969995"/>
+          </a:xfrm>
+          <a:prstGeom prst="rect">
+            <a:avLst/>
+          </a:prstGeom>
+          <a:noFill/>
+        </p:spPr>
+      </p:pic>
+      <p:pic>
+        <p:nvPicPr>
           <p:cNvPr id="13" name="Picture 12" descr="rating_by_category.png"/>
           <p:cNvPicPr>
             <a:picLocks noChangeAspect="1"/>
@@ -14273,8 +15420,8 @@
         </p:blipFill>
         <p:spPr>
           <a:xfrm>
-            <a:off x="6620256" y="3257550"/>
-            <a:ext cx="2437790" cy="1179576"/>
+            <a:off x="4215712" y="2893024"/>
+            <a:ext cx="3442800" cy="2010281"/>
           </a:xfrm>
           <a:prstGeom prst="rect">
             <a:avLst/>
@@ -14282,32 +15429,6 @@
           <a:solidFill>
             <a:schemeClr val="bg1"/>
           </a:solidFill>
-        </p:spPr>
-      </p:pic>
-      <p:pic>
-        <p:nvPicPr>
-          <p:cNvPr id="12" name="Picture 11" descr="rating_by_category.png"/>
-          <p:cNvPicPr>
-            <a:picLocks noChangeAspect="1"/>
-          </p:cNvPicPr>
-          <p:nvPr/>
-        </p:nvPicPr>
-        <p:blipFill>
-          <a:blip r:embed="rId3"/>
-          <a:srcRect t="51481" b="24626"/>
-          <a:stretch>
-            <a:fillRect/>
-          </a:stretch>
-        </p:blipFill>
-        <p:spPr>
-          <a:xfrm>
-            <a:off x="4190999" y="3257550"/>
-            <a:ext cx="2487795" cy="1174792"/>
-          </a:xfrm>
-          <a:prstGeom prst="rect">
-            <a:avLst/>
-          </a:prstGeom>
-          <a:noFill/>
         </p:spPr>
       </p:pic>
       <p:pic>
@@ -14327,8 +15448,8 @@
         </p:blipFill>
         <p:spPr>
           <a:xfrm>
-            <a:off x="2133600" y="3257550"/>
-            <a:ext cx="2132397" cy="1174792"/>
+            <a:off x="794951" y="2870886"/>
+            <a:ext cx="3455329" cy="2015387"/>
           </a:xfrm>
           <a:prstGeom prst="rect">
             <a:avLst/>
@@ -14423,7 +15544,7 @@
                 </a:spcAft>
                 <a:buNone/>
               </a:pPr>
-              <a:t>5</a:t>
+              <a:t>7</a:t>
             </a:fld>
             <a:endParaRPr/>
           </a:p>
@@ -14446,89 +15567,8 @@
         </p:blipFill>
         <p:spPr>
           <a:xfrm>
-            <a:off x="152400" y="3105150"/>
-            <a:ext cx="2013930" cy="1303131"/>
-          </a:xfrm>
-          <a:prstGeom prst="rect">
-            <a:avLst/>
-          </a:prstGeom>
-          <a:noFill/>
-        </p:spPr>
-      </p:pic>
-      <p:pic>
-        <p:nvPicPr>
-          <p:cNvPr id="14" name="Picture 13" descr="rating_by_weight_time.png"/>
-          <p:cNvPicPr>
-            <a:picLocks noChangeAspect="1"/>
-          </p:cNvPicPr>
-          <p:nvPr/>
-        </p:nvPicPr>
-        <p:blipFill>
-          <a:blip r:embed="rId4"/>
-          <a:stretch>
-            <a:fillRect/>
-          </a:stretch>
-        </p:blipFill>
-        <p:spPr>
-          <a:xfrm>
-            <a:off x="609600" y="514349"/>
-            <a:ext cx="3581400" cy="2504475"/>
-          </a:xfrm>
-          <a:prstGeom prst="rect">
-            <a:avLst/>
-          </a:prstGeom>
-          <a:solidFill>
-            <a:srgbClr val="FFFFFF">
-              <a:shade val="85000"/>
-            </a:srgbClr>
-          </a:solidFill>
-        </p:spPr>
-      </p:pic>
-      <p:pic>
-        <p:nvPicPr>
-          <p:cNvPr id="10" name="Picture 9" descr="rating_by_mechanic.png"/>
-          <p:cNvPicPr>
-            <a:picLocks/>
-          </p:cNvPicPr>
-          <p:nvPr/>
-        </p:nvPicPr>
-        <p:blipFill>
-          <a:blip r:embed="rId5"/>
-          <a:srcRect t="56787"/>
-          <a:stretch>
-            <a:fillRect/>
-          </a:stretch>
-        </p:blipFill>
-        <p:spPr>
-          <a:xfrm>
-            <a:off x="6684264" y="285750"/>
-            <a:ext cx="2386584" cy="2157984"/>
-          </a:xfrm>
-          <a:prstGeom prst="rect">
-            <a:avLst/>
-          </a:prstGeom>
-          <a:noFill/>
-        </p:spPr>
-      </p:pic>
-      <p:pic>
-        <p:nvPicPr>
-          <p:cNvPr id="9" name="Picture 8" descr="rating_by_mechanic.png"/>
-          <p:cNvPicPr>
-            <a:picLocks noChangeAspect="1"/>
-          </p:cNvPicPr>
-          <p:nvPr/>
-        </p:nvPicPr>
-        <p:blipFill>
-          <a:blip r:embed="rId5"/>
-          <a:srcRect b="43529"/>
-          <a:stretch>
-            <a:fillRect/>
-          </a:stretch>
-        </p:blipFill>
-        <p:spPr>
-          <a:xfrm>
-            <a:off x="4343400" y="133350"/>
-            <a:ext cx="2389012" cy="2819400"/>
+            <a:off x="794951" y="584885"/>
+            <a:ext cx="3454948" cy="2235555"/>
           </a:xfrm>
           <a:prstGeom prst="rect">
             <a:avLst/>
@@ -14541,10 +15581,17 @@
   <p:clrMapOvr>
     <a:masterClrMapping/>
   </p:clrMapOvr>
+  <p:timing>
+    <p:tnLst>
+      <p:par>
+        <p:cTn id="1" dur="indefinite" restart="never" nodeType="tmRoot"/>
+      </p:par>
+    </p:tnLst>
+  </p:timing>
 </p:sld>
 </file>
 
-<file path=ppt/slides/slide6.xml><?xml version="1.0" encoding="utf-8"?>
+<file path=ppt/slides/slide8.xml><?xml version="1.0" encoding="utf-8"?>
 <p:sld xmlns:a="http://schemas.openxmlformats.org/drawingml/2006/main" xmlns:r="http://schemas.openxmlformats.org/officeDocument/2006/relationships" xmlns:p="http://schemas.openxmlformats.org/presentationml/2006/main">
   <p:cSld>
     <p:spTree>
@@ -14573,7 +15620,7 @@
         </p:nvSpPr>
         <p:spPr>
           <a:xfrm>
-            <a:off x="609600" y="514350"/>
+            <a:off x="609600" y="361950"/>
             <a:ext cx="6429588" cy="805900"/>
           </a:xfrm>
           <a:prstGeom prst="rect">
@@ -14607,7 +15654,7 @@
         </p:nvSpPr>
         <p:spPr>
           <a:xfrm>
-            <a:off x="1219200" y="1650548"/>
+            <a:off x="1219200" y="1504950"/>
             <a:ext cx="3810000" cy="1302202"/>
           </a:xfrm>
           <a:prstGeom prst="rect">
@@ -14626,10 +15673,43 @@
                   <a:schemeClr val="bg1"/>
                 </a:solidFill>
               </a:rPr>
-              <a:t>R2 Differential: 0.0141</a:t>
+              <a:t>No </a:t>
+            </a:r>
+            <a:r>
+              <a:rPr lang="en-US" sz="1400" dirty="0" err="1" smtClean="0">
+                <a:solidFill>
+                  <a:schemeClr val="bg1"/>
+                </a:solidFill>
+              </a:rPr>
+              <a:t>Overfitting</a:t>
+            </a:r>
+            <a:endParaRPr lang="en-US" sz="1400" dirty="0" smtClean="0">
+              <a:solidFill>
+                <a:schemeClr val="bg1"/>
+              </a:solidFill>
+            </a:endParaRPr>
+          </a:p>
+          <a:p>
+            <a:pPr lvl="1"/>
+            <a:r>
+              <a:rPr lang="en-US" sz="1400" dirty="0" smtClean="0">
+                <a:solidFill>
+                  <a:schemeClr val="bg1"/>
+                </a:solidFill>
+              </a:rPr>
+              <a:t>R2 </a:t>
+            </a:r>
+            <a:r>
+              <a:rPr lang="en-US" sz="1400" dirty="0" smtClean="0">
+                <a:solidFill>
+                  <a:schemeClr val="bg1"/>
+                </a:solidFill>
+              </a:rPr>
+              <a:t>Differential: 0.0141</a:t>
             </a:r>
           </a:p>
           <a:p>
+            <a:pPr lvl="1"/>
             <a:r>
               <a:rPr lang="en-US" sz="1400" dirty="0" smtClean="0">
                 <a:solidFill>
@@ -14656,15 +15736,7 @@
                   <a:schemeClr val="bg1"/>
                 </a:solidFill>
               </a:rPr>
-              <a:t>Approximate Margin of Error: 11.5</a:t>
-            </a:r>
-            <a:r>
-              <a:rPr lang="en-US" sz="1400" dirty="0" smtClean="0">
-                <a:solidFill>
-                  <a:schemeClr val="bg1"/>
-                </a:solidFill>
-              </a:rPr>
-              <a:t>%</a:t>
+              <a:t>Approximate Margin of Error: 11.5%</a:t>
             </a:r>
           </a:p>
           <a:p>
@@ -14724,7 +15796,7 @@
                 </a:spcAft>
                 <a:buNone/>
               </a:pPr>
-              <a:t>6</a:t>
+              <a:t>8</a:t>
             </a:fld>
             <a:endParaRPr/>
           </a:p>
@@ -14738,7 +15810,7 @@
         </p:nvSpPr>
         <p:spPr>
           <a:xfrm>
-            <a:off x="1219200" y="1276350"/>
+            <a:off x="1219200" y="1123950"/>
             <a:ext cx="5410200" cy="523220"/>
           </a:xfrm>
           <a:prstGeom prst="rect">
@@ -14835,10 +15907,17 @@
   <p:clrMapOvr>
     <a:masterClrMapping/>
   </p:clrMapOvr>
+  <p:timing>
+    <p:tnLst>
+      <p:par>
+        <p:cTn id="1" dur="indefinite" restart="never" nodeType="tmRoot"/>
+      </p:par>
+    </p:tnLst>
+  </p:timing>
 </p:sld>
 </file>
 
-<file path=ppt/slides/slide7.xml><?xml version="1.0" encoding="utf-8"?>
+<file path=ppt/slides/slide9.xml><?xml version="1.0" encoding="utf-8"?>
 <p:sld xmlns:a="http://schemas.openxmlformats.org/drawingml/2006/main" xmlns:r="http://schemas.openxmlformats.org/officeDocument/2006/relationships" xmlns:p="http://schemas.openxmlformats.org/presentationml/2006/main">
   <p:cSld>
     <p:spTree>
@@ -14940,11 +16019,7 @@
             </a:pPr>
             <a:r>
               <a:rPr lang="en-US" sz="2000" dirty="0" smtClean="0"/>
-              <a:t> </a:t>
-            </a:r>
-            <a:r>
-              <a:rPr lang="en-US" sz="2000" dirty="0" smtClean="0"/>
-              <a:t>Get games added since data set creation</a:t>
+              <a:t> Get games added since data set creation</a:t>
             </a:r>
           </a:p>
           <a:p>
@@ -14955,11 +16030,7 @@
             </a:pPr>
             <a:r>
               <a:rPr lang="en-US" sz="2000" dirty="0" smtClean="0"/>
-              <a:t> </a:t>
-            </a:r>
-            <a:r>
-              <a:rPr lang="en-US" sz="2000" dirty="0" smtClean="0"/>
-              <a:t>Get User Data (specific ratings, ownership)</a:t>
+              <a:t> Get User Data (specific ratings, ownership)</a:t>
             </a:r>
           </a:p>
           <a:p>
@@ -14970,13 +16041,8 @@
             </a:pPr>
             <a:r>
               <a:rPr lang="en-US" sz="2000" dirty="0" smtClean="0"/>
-              <a:t> </a:t>
+              <a:t> Improve Model</a:t>
             </a:r>
-            <a:r>
-              <a:rPr lang="en-US" sz="2000" dirty="0" smtClean="0"/>
-              <a:t>Improve Model</a:t>
-            </a:r>
-            <a:endParaRPr lang="en-US" sz="2000" dirty="0" smtClean="0"/>
           </a:p>
           <a:p>
             <a:pPr marL="0" indent="0">
@@ -14986,11 +16052,7 @@
             </a:pPr>
             <a:r>
               <a:rPr lang="en-US" sz="2000" dirty="0" smtClean="0"/>
-              <a:t> </a:t>
-            </a:r>
-            <a:r>
-              <a:rPr lang="en-US" sz="2000" dirty="0" smtClean="0"/>
-              <a:t>Create Recommendation System</a:t>
+              <a:t> Create Recommendation System</a:t>
             </a:r>
             <a:endParaRPr sz="2000"/>
           </a:p>
@@ -15056,491 +16118,6 @@
                 </a:spcAft>
                 <a:buNone/>
               </a:pPr>
-              <a:t>7</a:t>
-            </a:fld>
-            <a:endParaRPr/>
-          </a:p>
-        </p:txBody>
-      </p:sp>
-    </p:spTree>
-  </p:cSld>
-  <p:clrMapOvr>
-    <a:masterClrMapping/>
-  </p:clrMapOvr>
-</p:sld>
-</file>
-
-<file path=ppt/slides/slide8.xml><?xml version="1.0" encoding="utf-8"?>
-<p:sld xmlns:a="http://schemas.openxmlformats.org/drawingml/2006/main" xmlns:r="http://schemas.openxmlformats.org/officeDocument/2006/relationships" xmlns:p="http://schemas.openxmlformats.org/presentationml/2006/main">
-  <p:cSld>
-    <p:spTree>
-      <p:nvGrpSpPr>
-        <p:cNvPr id="1" name="Shape 410"/>
-        <p:cNvGrpSpPr/>
-        <p:nvPr/>
-      </p:nvGrpSpPr>
-      <p:grpSpPr>
-        <a:xfrm>
-          <a:off x="0" y="0"/>
-          <a:ext cx="0" cy="0"/>
-          <a:chOff x="0" y="0"/>
-          <a:chExt cx="0" cy="0"/>
-        </a:xfrm>
-      </p:grpSpPr>
-      <p:sp>
-        <p:nvSpPr>
-          <p:cNvPr id="411" name="Google Shape;411;p39"/>
-          <p:cNvSpPr txBox="1">
-            <a:spLocks noGrp="1"/>
-          </p:cNvSpPr>
-          <p:nvPr>
-            <p:ph type="title"/>
-          </p:nvPr>
-        </p:nvSpPr>
-        <p:spPr>
-          <a:xfrm>
-            <a:off x="1067088" y="912850"/>
-            <a:ext cx="5972100" cy="636000"/>
-          </a:xfrm>
-          <a:prstGeom prst="rect">
-            <a:avLst/>
-          </a:prstGeom>
-        </p:spPr>
-        <p:txBody>
-          <a:bodyPr spcFirstLastPara="1" wrap="square" lIns="91425" tIns="91425" rIns="91425" bIns="91425" anchor="b" anchorCtr="0">
-            <a:noAutofit/>
-          </a:bodyPr>
-          <a:lstStyle/>
-          <a:p>
-            <a:pPr marL="0" lvl="0" indent="0" algn="l" rtl="0">
-              <a:spcBef>
-                <a:spcPts val="0"/>
-              </a:spcBef>
-              <a:spcAft>
-                <a:spcPts val="0"/>
-              </a:spcAft>
-              <a:buNone/>
-            </a:pPr>
-            <a:r>
-              <a:rPr lang="en"/>
-              <a:t>Credits</a:t>
-            </a:r>
-            <a:endParaRPr/>
-          </a:p>
-        </p:txBody>
-      </p:sp>
-      <p:sp>
-        <p:nvSpPr>
-          <p:cNvPr id="412" name="Google Shape;412;p39"/>
-          <p:cNvSpPr txBox="1">
-            <a:spLocks noGrp="1"/>
-          </p:cNvSpPr>
-          <p:nvPr>
-            <p:ph type="body" idx="1"/>
-          </p:nvPr>
-        </p:nvSpPr>
-        <p:spPr>
-          <a:xfrm>
-            <a:off x="685800" y="1650548"/>
-            <a:ext cx="7467600" cy="2764500"/>
-          </a:xfrm>
-          <a:prstGeom prst="rect">
-            <a:avLst/>
-          </a:prstGeom>
-        </p:spPr>
-        <p:txBody>
-          <a:bodyPr spcFirstLastPara="1" wrap="square" lIns="91425" tIns="91425" rIns="91425" bIns="91425" anchor="t" anchorCtr="0">
-            <a:noAutofit/>
-          </a:bodyPr>
-          <a:lstStyle/>
-          <a:p>
-            <a:pPr marL="0" indent="0"/>
-            <a:r>
-              <a:rPr lang="en-US" dirty="0" smtClean="0"/>
-              <a:t> Data Set: </a:t>
-            </a:r>
-            <a:r>
-              <a:rPr lang="en-US" dirty="0" smtClean="0">
-                <a:hlinkClick r:id="rId3"/>
-              </a:rPr>
-              <a:t>https://</a:t>
-            </a:r>
-            <a:r>
-              <a:rPr lang="en-US" dirty="0" smtClean="0">
-                <a:hlinkClick r:id="rId3"/>
-              </a:rPr>
-              <a:t>www.kaggle.com/mandshaw/games-0918</a:t>
-            </a:r>
-            <a:endParaRPr lang="en-US" dirty="0" smtClean="0"/>
-          </a:p>
-          <a:p>
-            <a:pPr marL="0" indent="0"/>
-            <a:r>
-              <a:rPr lang="en-US" sz="2400" dirty="0" smtClean="0"/>
-              <a:t> </a:t>
-            </a:r>
-            <a:r>
-              <a:rPr lang="en-US" sz="2400" dirty="0" smtClean="0"/>
-              <a:t>Data Source: </a:t>
-            </a:r>
-            <a:br>
-              <a:rPr lang="en-US" sz="2400" dirty="0" smtClean="0"/>
-            </a:br>
-            <a:r>
-              <a:rPr lang="en-US" dirty="0" smtClean="0">
-                <a:hlinkClick r:id="rId4"/>
-              </a:rPr>
-              <a:t>https://boardgamegeek.com/</a:t>
-            </a:r>
-            <a:endParaRPr lang="en-US" dirty="0" smtClean="0"/>
-          </a:p>
-          <a:p>
-            <a:pPr marL="0" indent="0"/>
-            <a:r>
-              <a:rPr lang="en-US" sz="2400" dirty="0" smtClean="0"/>
-              <a:t> </a:t>
-            </a:r>
-            <a:r>
-              <a:rPr lang="en-US" sz="2400" dirty="0" smtClean="0"/>
-              <a:t>Project Notebook: </a:t>
-            </a:r>
-            <a:r>
-              <a:rPr lang="en-US" dirty="0" smtClean="0">
-                <a:hlinkClick r:id="rId5"/>
-              </a:rPr>
-              <a:t>https://github.com/Atksmith88/board-game-statistics</a:t>
-            </a:r>
-            <a:endParaRPr lang="en" sz="2400" dirty="0"/>
-          </a:p>
-        </p:txBody>
-      </p:sp>
-      <p:sp>
-        <p:nvSpPr>
-          <p:cNvPr id="413" name="Google Shape;413;p39"/>
-          <p:cNvSpPr txBox="1">
-            <a:spLocks noGrp="1"/>
-          </p:cNvSpPr>
-          <p:nvPr>
-            <p:ph type="sldNum" idx="12"/>
-          </p:nvPr>
-        </p:nvSpPr>
-        <p:spPr>
-          <a:xfrm>
-            <a:off x="8556775" y="4812625"/>
-            <a:ext cx="587100" cy="330900"/>
-          </a:xfrm>
-          <a:prstGeom prst="rect">
-            <a:avLst/>
-          </a:prstGeom>
-        </p:spPr>
-        <p:txBody>
-          <a:bodyPr spcFirstLastPara="1" wrap="square" lIns="91425" tIns="91425" rIns="91425" bIns="91425" anchor="t" anchorCtr="0">
-            <a:noAutofit/>
-          </a:bodyPr>
-          <a:lstStyle/>
-          <a:p>
-            <a:pPr marL="0" lvl="0" indent="0" algn="r" rtl="0">
-              <a:spcBef>
-                <a:spcPts val="0"/>
-              </a:spcBef>
-              <a:spcAft>
-                <a:spcPts val="0"/>
-              </a:spcAft>
-              <a:buNone/>
-            </a:pPr>
-            <a:fld id="{00000000-1234-1234-1234-123412341234}" type="slidenum">
-              <a:rPr lang="en"/>
-              <a:pPr marL="0" lvl="0" indent="0" algn="r" rtl="0">
-                <a:spcBef>
-                  <a:spcPts val="0"/>
-                </a:spcBef>
-                <a:spcAft>
-                  <a:spcPts val="0"/>
-                </a:spcAft>
-                <a:buNone/>
-              </a:pPr>
-              <a:t>8</a:t>
-            </a:fld>
-            <a:endParaRPr/>
-          </a:p>
-        </p:txBody>
-      </p:sp>
-    </p:spTree>
-  </p:cSld>
-  <p:clrMapOvr>
-    <a:masterClrMapping/>
-  </p:clrMapOvr>
-</p:sld>
-</file>
-
-<file path=ppt/slides/slide9.xml><?xml version="1.0" encoding="utf-8"?>
-<p:sld xmlns:a="http://schemas.openxmlformats.org/drawingml/2006/main" xmlns:r="http://schemas.openxmlformats.org/officeDocument/2006/relationships" xmlns:p="http://schemas.openxmlformats.org/presentationml/2006/main">
-  <p:cSld>
-    <p:spTree>
-      <p:nvGrpSpPr>
-        <p:cNvPr id="1" name="Shape 402"/>
-        <p:cNvGrpSpPr/>
-        <p:nvPr/>
-      </p:nvGrpSpPr>
-      <p:grpSpPr>
-        <a:xfrm>
-          <a:off x="0" y="0"/>
-          <a:ext cx="0" cy="0"/>
-          <a:chOff x="0" y="0"/>
-          <a:chExt cx="0" cy="0"/>
-        </a:xfrm>
-      </p:grpSpPr>
-      <p:sp>
-        <p:nvSpPr>
-          <p:cNvPr id="403" name="Google Shape;403;p38"/>
-          <p:cNvSpPr txBox="1">
-            <a:spLocks noGrp="1"/>
-          </p:cNvSpPr>
-          <p:nvPr>
-            <p:ph type="ctrTitle" idx="4294967295"/>
-          </p:nvPr>
-        </p:nvSpPr>
-        <p:spPr>
-          <a:xfrm>
-            <a:off x="2715450" y="1523250"/>
-            <a:ext cx="3691200" cy="1159800"/>
-          </a:xfrm>
-          <a:prstGeom prst="rect">
-            <a:avLst/>
-          </a:prstGeom>
-        </p:spPr>
-        <p:txBody>
-          <a:bodyPr spcFirstLastPara="1" wrap="square" lIns="91425" tIns="91425" rIns="91425" bIns="91425" anchor="b" anchorCtr="0">
-            <a:noAutofit/>
-          </a:bodyPr>
-          <a:lstStyle/>
-          <a:p>
-            <a:pPr marL="0" lvl="0" indent="0" algn="l" rtl="0">
-              <a:spcBef>
-                <a:spcPts val="0"/>
-              </a:spcBef>
-              <a:spcAft>
-                <a:spcPts val="0"/>
-              </a:spcAft>
-              <a:buNone/>
-            </a:pPr>
-            <a:r>
-              <a:rPr lang="en" sz="6000"/>
-              <a:t>THANKS!</a:t>
-            </a:r>
-            <a:endParaRPr sz="6000"/>
-          </a:p>
-        </p:txBody>
-      </p:sp>
-      <p:sp>
-        <p:nvSpPr>
-          <p:cNvPr id="404" name="Google Shape;404;p38"/>
-          <p:cNvSpPr txBox="1">
-            <a:spLocks noGrp="1"/>
-          </p:cNvSpPr>
-          <p:nvPr>
-            <p:ph type="subTitle" idx="4294967295"/>
-          </p:nvPr>
-        </p:nvSpPr>
-        <p:spPr>
-          <a:xfrm>
-            <a:off x="2715450" y="2494275"/>
-            <a:ext cx="4939200" cy="1451700"/>
-          </a:xfrm>
-          <a:prstGeom prst="rect">
-            <a:avLst/>
-          </a:prstGeom>
-        </p:spPr>
-        <p:txBody>
-          <a:bodyPr spcFirstLastPara="1" wrap="square" lIns="91425" tIns="91425" rIns="91425" bIns="91425" anchor="t" anchorCtr="0">
-            <a:noAutofit/>
-          </a:bodyPr>
-          <a:lstStyle/>
-          <a:p>
-            <a:pPr marL="0" lvl="0" indent="0" algn="l" rtl="0">
-              <a:spcBef>
-                <a:spcPts val="600"/>
-              </a:spcBef>
-              <a:spcAft>
-                <a:spcPts val="0"/>
-              </a:spcAft>
-              <a:buNone/>
-            </a:pPr>
-            <a:r>
-              <a:rPr lang="en" b="1" dirty="0">
-                <a:solidFill>
-                  <a:srgbClr val="66FF33"/>
-                </a:solidFill>
-              </a:rPr>
-              <a:t>Any questions?</a:t>
-            </a:r>
-            <a:endParaRPr b="1">
-              <a:solidFill>
-                <a:srgbClr val="66FF33"/>
-              </a:solidFill>
-            </a:endParaRPr>
-          </a:p>
-          <a:p>
-            <a:pPr marL="0" lvl="0" indent="0" algn="l" rtl="0">
-              <a:spcBef>
-                <a:spcPts val="600"/>
-              </a:spcBef>
-              <a:spcAft>
-                <a:spcPts val="0"/>
-              </a:spcAft>
-              <a:buClr>
-                <a:schemeClr val="dk1"/>
-              </a:buClr>
-              <a:buSzPts val="1100"/>
-              <a:buFont typeface="Arial"/>
-              <a:buNone/>
-            </a:pPr>
-            <a:r>
-              <a:rPr lang="en" sz="1800" dirty="0"/>
-              <a:t>You can find me at:</a:t>
-            </a:r>
-            <a:endParaRPr sz="1800"/>
-          </a:p>
-          <a:p>
-            <a:pPr marL="0" lvl="0" indent="0" algn="l" rtl="0">
-              <a:spcBef>
-                <a:spcPts val="600"/>
-              </a:spcBef>
-              <a:spcAft>
-                <a:spcPts val="0"/>
-              </a:spcAft>
-              <a:buClr>
-                <a:schemeClr val="dk1"/>
-              </a:buClr>
-              <a:buSzPts val="1100"/>
-              <a:buFont typeface="Arial"/>
-              <a:buNone/>
-            </a:pPr>
-            <a:r>
-              <a:rPr lang="en" sz="1800" dirty="0" smtClean="0"/>
-              <a:t>Github: Atksmith88</a:t>
-            </a:r>
-          </a:p>
-          <a:p>
-            <a:pPr marL="0" lvl="0" indent="0" algn="l" rtl="0">
-              <a:spcBef>
-                <a:spcPts val="600"/>
-              </a:spcBef>
-              <a:spcAft>
-                <a:spcPts val="0"/>
-              </a:spcAft>
-              <a:buClr>
-                <a:schemeClr val="dk1"/>
-              </a:buClr>
-              <a:buSzPts val="1100"/>
-              <a:buFont typeface="Arial"/>
-              <a:buNone/>
-            </a:pPr>
-            <a:r>
-              <a:rPr lang="en" sz="1800" dirty="0" smtClean="0"/>
-              <a:t>Email: </a:t>
-            </a:r>
-            <a:r>
-              <a:rPr lang="en" sz="1800" dirty="0" smtClean="0">
-                <a:hlinkClick r:id="rId3"/>
-              </a:rPr>
-              <a:t>atksmith88@gmail.com</a:t>
-            </a:r>
-            <a:endParaRPr lang="en" sz="1800" dirty="0" smtClean="0"/>
-          </a:p>
-          <a:p>
-            <a:pPr marL="0" lvl="0" indent="0" algn="l" rtl="0">
-              <a:spcBef>
-                <a:spcPts val="600"/>
-              </a:spcBef>
-              <a:spcAft>
-                <a:spcPts val="0"/>
-              </a:spcAft>
-              <a:buClr>
-                <a:schemeClr val="dk1"/>
-              </a:buClr>
-              <a:buSzPts val="1100"/>
-              <a:buFont typeface="Arial"/>
-              <a:buNone/>
-            </a:pPr>
-            <a:endParaRPr sz="1800"/>
-          </a:p>
-        </p:txBody>
-      </p:sp>
-      <p:pic>
-        <p:nvPicPr>
-          <p:cNvPr id="405" name="Google Shape;405;p38" descr="10.jpg"/>
-          <p:cNvPicPr preferRelativeResize="0"/>
-          <p:nvPr/>
-        </p:nvPicPr>
-        <p:blipFill rotWithShape="1">
-          <a:blip r:embed="rId4">
-            <a:alphaModFix/>
-          </a:blip>
-          <a:srcRect l="22840" t="14463" r="22840" b="19038"/>
-          <a:stretch/>
-        </p:blipFill>
-        <p:spPr>
-          <a:xfrm rot="-5400000">
-            <a:off x="-506100" y="506025"/>
-            <a:ext cx="3251400" cy="2239200"/>
-          </a:xfrm>
-          <a:prstGeom prst="parallelogram">
-            <a:avLst>
-              <a:gd name="adj" fmla="val 63779"/>
-            </a:avLst>
-          </a:prstGeom>
-          <a:noFill/>
-          <a:ln>
-            <a:noFill/>
-          </a:ln>
-        </p:spPr>
-      </p:pic>
-      <p:sp>
-        <p:nvSpPr>
-          <p:cNvPr id="406" name="Google Shape;406;p38"/>
-          <p:cNvSpPr txBox="1">
-            <a:spLocks noGrp="1"/>
-          </p:cNvSpPr>
-          <p:nvPr>
-            <p:ph type="sldNum" idx="12"/>
-          </p:nvPr>
-        </p:nvSpPr>
-        <p:spPr>
-          <a:xfrm>
-            <a:off x="8556775" y="4812625"/>
-            <a:ext cx="587100" cy="330900"/>
-          </a:xfrm>
-          <a:prstGeom prst="rect">
-            <a:avLst/>
-          </a:prstGeom>
-        </p:spPr>
-        <p:txBody>
-          <a:bodyPr spcFirstLastPara="1" wrap="square" lIns="91425" tIns="91425" rIns="91425" bIns="91425" anchor="t" anchorCtr="0">
-            <a:noAutofit/>
-          </a:bodyPr>
-          <a:lstStyle/>
-          <a:p>
-            <a:pPr marL="0" lvl="0" indent="0" algn="r" rtl="0">
-              <a:spcBef>
-                <a:spcPts val="0"/>
-              </a:spcBef>
-              <a:spcAft>
-                <a:spcPts val="0"/>
-              </a:spcAft>
-              <a:buNone/>
-            </a:pPr>
-            <a:fld id="{00000000-1234-1234-1234-123412341234}" type="slidenum">
-              <a:rPr lang="en"/>
-              <a:pPr marL="0" lvl="0" indent="0" algn="r" rtl="0">
-                <a:spcBef>
-                  <a:spcPts val="0"/>
-                </a:spcBef>
-                <a:spcAft>
-                  <a:spcPts val="0"/>
-                </a:spcAft>
-                <a:buNone/>
-              </a:pPr>
               <a:t>9</a:t>
             </a:fld>
             <a:endParaRPr/>
@@ -15552,6 +16129,13 @@
   <p:clrMapOvr>
     <a:masterClrMapping/>
   </p:clrMapOvr>
+  <p:timing>
+    <p:tnLst>
+      <p:par>
+        <p:cTn id="1" dur="indefinite" restart="never" nodeType="tmRoot"/>
+      </p:par>
+    </p:tnLst>
+  </p:timing>
 </p:sld>
 </file>
 
